--- a/Presentation.pptx
+++ b/Presentation.pptx
@@ -10,13 +10,16 @@
     <p:sldId id="260" r:id="rId4"/>
     <p:sldId id="261" r:id="rId5"/>
     <p:sldId id="262" r:id="rId6"/>
-    <p:sldId id="263" r:id="rId7"/>
-    <p:sldId id="264" r:id="rId8"/>
-    <p:sldId id="265" r:id="rId9"/>
-    <p:sldId id="267" r:id="rId10"/>
-    <p:sldId id="268" r:id="rId11"/>
-    <p:sldId id="269" r:id="rId12"/>
-    <p:sldId id="266" r:id="rId13"/>
+    <p:sldId id="270" r:id="rId7"/>
+    <p:sldId id="271" r:id="rId8"/>
+    <p:sldId id="272" r:id="rId9"/>
+    <p:sldId id="263" r:id="rId10"/>
+    <p:sldId id="264" r:id="rId11"/>
+    <p:sldId id="265" r:id="rId12"/>
+    <p:sldId id="267" r:id="rId13"/>
+    <p:sldId id="268" r:id="rId14"/>
+    <p:sldId id="269" r:id="rId15"/>
+    <p:sldId id="266" r:id="rId16"/>
   </p:sldIdLst>
   <p:sldSz cx="12192000" cy="6858000"/>
   <p:notesSz cx="6858000" cy="9144000"/>
@@ -129,6 +132,7 @@
     <p1510:client id="{0BED5B11-65ED-2213-EE65-1CEADF586E88}" v="101" dt="2020-11-20T01:17:20.616"/>
     <p1510:client id="{1BC868FB-E151-49CE-A0EE-74661EA8C4E2}" v="954" dt="2020-11-20T01:19:00.539"/>
     <p1510:client id="{65FADCF7-D210-4E53-B3D9-7DC37F686889}" v="2178" dt="2020-11-20T01:32:19.760"/>
+    <p1510:client id="{D67DC888-010D-629A-49CB-79A978EF51C1}" v="65" dt="2020-11-21T00:37:41.997"/>
     <p1510:client id="{F5124E12-EEBA-5BE0-02B4-7CB18A1571A6}" v="30" dt="2020-11-19T23:26:49.144"/>
     <p1510:client id="{FD9C1AA5-AADC-4D46-8441-8C09D5596731}" v="1" dt="2020-11-19T22:30:27.629"/>
   </p1510:revLst>
@@ -684,7 +688,7 @@
             <a:fld id="{D57F1E4F-1CFF-5643-939E-217C01CDF565}" type="slidenum">
               <a:rPr lang="en-US" dirty="0"/>
               <a:pPr/>
-              <a:t>‹nº›</a:t>
+              <a:t>‹#›</a:t>
             </a:fld>
             <a:endParaRPr lang="en-US"/>
           </a:p>
@@ -972,7 +976,7 @@
             <a:fld id="{D57F1E4F-1CFF-5643-939E-217C01CDF565}" type="slidenum">
               <a:rPr lang="en-US" dirty="0"/>
               <a:pPr/>
-              <a:t>‹nº›</a:t>
+              <a:t>‹#›</a:t>
             </a:fld>
             <a:endParaRPr lang="en-US"/>
           </a:p>
@@ -1221,7 +1225,7 @@
             <a:fld id="{D57F1E4F-1CFF-5643-939E-217C01CDF565}" type="slidenum">
               <a:rPr lang="en-US" dirty="0"/>
               <a:pPr/>
-              <a:t>‹nº›</a:t>
+              <a:t>‹#›</a:t>
             </a:fld>
             <a:endParaRPr lang="en-US"/>
           </a:p>
@@ -1762,7 +1766,7 @@
             <a:fld id="{D57F1E4F-1CFF-5643-939E-217C01CDF565}" type="slidenum">
               <a:rPr lang="en-US" dirty="0"/>
               <a:pPr/>
-              <a:t>‹nº›</a:t>
+              <a:t>‹#›</a:t>
             </a:fld>
             <a:endParaRPr lang="en-US"/>
           </a:p>
@@ -2011,7 +2015,7 @@
             <a:fld id="{D57F1E4F-1CFF-5643-939E-217C01CDF565}" type="slidenum">
               <a:rPr lang="en-US" dirty="0"/>
               <a:pPr/>
-              <a:t>‹nº›</a:t>
+              <a:t>‹#›</a:t>
             </a:fld>
             <a:endParaRPr lang="en-US"/>
           </a:p>
@@ -2544,7 +2548,7 @@
             <a:fld id="{D57F1E4F-1CFF-5643-939E-217C01CDF565}" type="slidenum">
               <a:rPr lang="en-US" dirty="0"/>
               <a:pPr/>
-              <a:t>‹nº›</a:t>
+              <a:t>‹#›</a:t>
             </a:fld>
             <a:endParaRPr lang="en-US"/>
           </a:p>
@@ -2842,7 +2846,7 @@
             <a:fld id="{D57F1E4F-1CFF-5643-939E-217C01CDF565}" type="slidenum">
               <a:rPr lang="en-US" dirty="0"/>
               <a:pPr/>
-              <a:t>‹nº›</a:t>
+              <a:t>‹#›</a:t>
             </a:fld>
             <a:endParaRPr lang="en-US"/>
           </a:p>
@@ -3016,7 +3020,7 @@
             <a:fld id="{D57F1E4F-1CFF-5643-939E-217C01CDF565}" type="slidenum">
               <a:rPr lang="en-US" dirty="0"/>
               <a:pPr/>
-              <a:t>‹nº›</a:t>
+              <a:t>‹#›</a:t>
             </a:fld>
             <a:endParaRPr lang="en-US"/>
           </a:p>
@@ -3196,7 +3200,7 @@
             <a:fld id="{D57F1E4F-1CFF-5643-939E-217C01CDF565}" type="slidenum">
               <a:rPr lang="en-US" dirty="0"/>
               <a:pPr/>
-              <a:t>‹nº›</a:t>
+              <a:t>‹#›</a:t>
             </a:fld>
             <a:endParaRPr lang="en-US"/>
           </a:p>
@@ -3371,7 +3375,7 @@
             <a:fld id="{D57F1E4F-1CFF-5643-939E-217C01CDF565}" type="slidenum">
               <a:rPr lang="en-US" dirty="0"/>
               <a:pPr/>
-              <a:t>‹nº›</a:t>
+              <a:t>‹#›</a:t>
             </a:fld>
             <a:endParaRPr lang="en-US"/>
           </a:p>
@@ -3618,7 +3622,7 @@
             <a:fld id="{D57F1E4F-1CFF-5643-939E-217C01CDF565}" type="slidenum">
               <a:rPr lang="en-US" dirty="0"/>
               <a:pPr/>
-              <a:t>‹nº›</a:t>
+              <a:t>‹#›</a:t>
             </a:fld>
             <a:endParaRPr lang="en-US"/>
           </a:p>
@@ -3914,7 +3918,7 @@
             <a:fld id="{D57F1E4F-1CFF-5643-939E-217C01CDF565}" type="slidenum">
               <a:rPr lang="en-US" dirty="0"/>
               <a:pPr/>
-              <a:t>‹nº›</a:t>
+              <a:t>‹#›</a:t>
             </a:fld>
             <a:endParaRPr lang="en-US"/>
           </a:p>
@@ -4355,7 +4359,7 @@
             <a:fld id="{D57F1E4F-1CFF-5643-939E-217C01CDF565}" type="slidenum">
               <a:rPr lang="en-US" dirty="0"/>
               <a:pPr/>
-              <a:t>‹nº›</a:t>
+              <a:t>‹#›</a:t>
             </a:fld>
             <a:endParaRPr lang="en-US"/>
           </a:p>
@@ -4474,7 +4478,7 @@
             <a:fld id="{D57F1E4F-1CFF-5643-939E-217C01CDF565}" type="slidenum">
               <a:rPr lang="en-US" dirty="0"/>
               <a:pPr/>
-              <a:t>‹nº›</a:t>
+              <a:t>‹#›</a:t>
             </a:fld>
             <a:endParaRPr lang="en-US"/>
           </a:p>
@@ -4571,7 +4575,7 @@
             <a:fld id="{D57F1E4F-1CFF-5643-939E-217C01CDF565}" type="slidenum">
               <a:rPr lang="en-US" dirty="0"/>
               <a:pPr/>
-              <a:t>‹nº›</a:t>
+              <a:t>‹#›</a:t>
             </a:fld>
             <a:endParaRPr lang="en-US"/>
           </a:p>
@@ -4854,7 +4858,7 @@
             <a:fld id="{D57F1E4F-1CFF-5643-939E-217C01CDF565}" type="slidenum">
               <a:rPr lang="en-US" dirty="0"/>
               <a:pPr/>
-              <a:t>‹nº›</a:t>
+              <a:t>‹#›</a:t>
             </a:fld>
             <a:endParaRPr lang="en-US"/>
           </a:p>
@@ -5142,7 +5146,7 @@
             <a:fld id="{D57F1E4F-1CFF-5643-939E-217C01CDF565}" type="slidenum">
               <a:rPr lang="en-US" dirty="0"/>
               <a:pPr/>
-              <a:t>‹nº›</a:t>
+              <a:t>‹#›</a:t>
             </a:fld>
             <a:endParaRPr lang="en-US"/>
           </a:p>
@@ -5708,7 +5712,7 @@
             <a:fld id="{D57F1E4F-1CFF-5643-939E-217C01CDF565}" type="slidenum">
               <a:rPr lang="en-US" dirty="0"/>
               <a:pPr/>
-              <a:t>‹nº›</a:t>
+              <a:t>‹#›</a:t>
             </a:fld>
             <a:endParaRPr lang="en-US"/>
           </a:p>
@@ -6976,6 +6980,1220 @@
 <file path=ppt/slides/slide10.xml><?xml version="1.0" encoding="utf-8"?>
 <p:sld xmlns:a="http://schemas.openxmlformats.org/drawingml/2006/main" xmlns:r="http://schemas.openxmlformats.org/officeDocument/2006/relationships" xmlns:p="http://schemas.openxmlformats.org/presentationml/2006/main">
   <p:cSld>
+    <p:bg>
+      <p:bgPr>
+        <a:blipFill rotWithShape="1">
+          <a:blip r:embed="rId2">
+            <a:duotone>
+              <a:schemeClr val="bg2">
+                <a:shade val="76000"/>
+                <a:satMod val="180000"/>
+              </a:schemeClr>
+              <a:schemeClr val="bg2">
+                <a:tint val="80000"/>
+                <a:satMod val="120000"/>
+                <a:lumMod val="180000"/>
+              </a:schemeClr>
+            </a:duotone>
+          </a:blip>
+          <a:stretch/>
+        </a:blipFill>
+        <a:effectLst/>
+      </p:bgPr>
+    </p:bg>
+    <p:spTree>
+      <p:nvGrpSpPr>
+        <p:cNvPr id="1" name=""/>
+        <p:cNvGrpSpPr/>
+        <p:nvPr/>
+      </p:nvGrpSpPr>
+      <p:grpSpPr>
+        <a:xfrm>
+          <a:off x="0" y="0"/>
+          <a:ext cx="0" cy="0"/>
+          <a:chOff x="0" y="0"/>
+          <a:chExt cx="0" cy="0"/>
+        </a:xfrm>
+      </p:grpSpPr>
+      <p:grpSp>
+        <p:nvGrpSpPr>
+          <p:cNvPr id="14" name="Group 13">
+            <a:extLst>
+              <a:ext uri="{FF2B5EF4-FFF2-40B4-BE49-F238E27FC236}">
+                <a16:creationId xmlns:a16="http://schemas.microsoft.com/office/drawing/2014/main" id="{1C78354C-C1EB-4317-9DC2-7A4AE1F13CB3}"/>
+              </a:ext>
+              <a:ext uri="{C183D7F6-B498-43B3-948B-1728B52AA6E4}">
+                <adec:decorative xmlns:adec="http://schemas.microsoft.com/office/drawing/2017/decorative" val="1"/>
+              </a:ext>
+            </a:extLst>
+          </p:cNvPr>
+          <p:cNvGrpSpPr>
+            <a:grpSpLocks noGrp="1" noUngrp="1" noRot="1" noChangeAspect="1" noMove="1" noResize="1"/>
+          </p:cNvGrpSpPr>
+          <p:nvPr>
+            <p:extLst>
+              <p:ext uri="{386F3935-93C4-4BCD-93E2-E3B085C9AB24}">
+                <p16:designElem xmlns:p16="http://schemas.microsoft.com/office/powerpoint/2015/main" val="1"/>
+              </p:ext>
+            </p:extLst>
+          </p:nvPr>
+        </p:nvGrpSpPr>
+        <p:grpSpPr>
+          <a:xfrm>
+            <a:off x="150812" y="0"/>
+            <a:ext cx="2436813" cy="6858001"/>
+            <a:chOff x="1320800" y="0"/>
+            <a:chExt cx="2436813" cy="6858001"/>
+          </a:xfrm>
+        </p:grpSpPr>
+        <p:sp>
+          <p:nvSpPr>
+            <p:cNvPr id="15" name="Freeform 6">
+              <a:extLst>
+                <a:ext uri="{FF2B5EF4-FFF2-40B4-BE49-F238E27FC236}">
+                  <a16:creationId xmlns:a16="http://schemas.microsoft.com/office/drawing/2014/main" id="{B7F3000C-E62F-41EF-B26C-43740EDE145A}"/>
+                </a:ext>
+                <a:ext uri="{C183D7F6-B498-43B3-948B-1728B52AA6E4}">
+                  <adec:decorative xmlns:adec="http://schemas.microsoft.com/office/drawing/2017/decorative" val="1"/>
+                </a:ext>
+              </a:extLst>
+            </p:cNvPr>
+            <p:cNvSpPr/>
+            <p:nvPr>
+              <p:extLst>
+                <p:ext uri="{386F3935-93C4-4BCD-93E2-E3B085C9AB24}">
+                  <p16:designElem xmlns:p16="http://schemas.microsoft.com/office/powerpoint/2015/main" val="1"/>
+                </p:ext>
+              </p:extLst>
+            </p:nvPr>
+          </p:nvSpPr>
+          <p:spPr bwMode="auto">
+            <a:xfrm>
+              <a:off x="1627188" y="0"/>
+              <a:ext cx="1122363" cy="5329238"/>
+            </a:xfrm>
+            <a:custGeom>
+              <a:avLst/>
+              <a:gdLst/>
+              <a:ahLst/>
+              <a:cxnLst/>
+              <a:rect l="0" t="0" r="r" b="b"/>
+              <a:pathLst>
+                <a:path w="707" h="3357">
+                  <a:moveTo>
+                    <a:pt x="0" y="3330"/>
+                  </a:moveTo>
+                  <a:lnTo>
+                    <a:pt x="156" y="3357"/>
+                  </a:lnTo>
+                  <a:lnTo>
+                    <a:pt x="707" y="0"/>
+                  </a:lnTo>
+                  <a:lnTo>
+                    <a:pt x="547" y="0"/>
+                  </a:lnTo>
+                  <a:lnTo>
+                    <a:pt x="0" y="3330"/>
+                  </a:lnTo>
+                  <a:close/>
+                </a:path>
+              </a:pathLst>
+            </a:custGeom>
+            <a:solidFill>
+              <a:schemeClr val="accent1"/>
+            </a:solidFill>
+            <a:ln>
+              <a:noFill/>
+            </a:ln>
+          </p:spPr>
+        </p:sp>
+        <p:sp>
+          <p:nvSpPr>
+            <p:cNvPr id="16" name="Freeform 7">
+              <a:extLst>
+                <a:ext uri="{FF2B5EF4-FFF2-40B4-BE49-F238E27FC236}">
+                  <a16:creationId xmlns:a16="http://schemas.microsoft.com/office/drawing/2014/main" id="{8B8C31FF-E28B-4902-9070-E4ED1395D92A}"/>
+                </a:ext>
+                <a:ext uri="{C183D7F6-B498-43B3-948B-1728B52AA6E4}">
+                  <adec:decorative xmlns:adec="http://schemas.microsoft.com/office/drawing/2017/decorative" val="1"/>
+                </a:ext>
+              </a:extLst>
+            </p:cNvPr>
+            <p:cNvSpPr/>
+            <p:nvPr>
+              <p:extLst>
+                <p:ext uri="{386F3935-93C4-4BCD-93E2-E3B085C9AB24}">
+                  <p16:designElem xmlns:p16="http://schemas.microsoft.com/office/powerpoint/2015/main" val="1"/>
+                </p:ext>
+              </p:extLst>
+            </p:nvPr>
+          </p:nvSpPr>
+          <p:spPr bwMode="auto">
+            <a:xfrm>
+              <a:off x="1320800" y="0"/>
+              <a:ext cx="1117600" cy="5276850"/>
+            </a:xfrm>
+            <a:custGeom>
+              <a:avLst/>
+              <a:gdLst/>
+              <a:ahLst/>
+              <a:cxnLst/>
+              <a:rect l="0" t="0" r="r" b="b"/>
+              <a:pathLst>
+                <a:path w="704" h="3324">
+                  <a:moveTo>
+                    <a:pt x="704" y="0"/>
+                  </a:moveTo>
+                  <a:lnTo>
+                    <a:pt x="545" y="0"/>
+                  </a:lnTo>
+                  <a:lnTo>
+                    <a:pt x="0" y="3300"/>
+                  </a:lnTo>
+                  <a:lnTo>
+                    <a:pt x="157" y="3324"/>
+                  </a:lnTo>
+                  <a:lnTo>
+                    <a:pt x="704" y="0"/>
+                  </a:lnTo>
+                  <a:close/>
+                </a:path>
+              </a:pathLst>
+            </a:custGeom>
+            <a:solidFill>
+              <a:schemeClr val="tx1">
+                <a:lumMod val="65000"/>
+                <a:lumOff val="35000"/>
+              </a:schemeClr>
+            </a:solidFill>
+            <a:ln>
+              <a:noFill/>
+            </a:ln>
+          </p:spPr>
+        </p:sp>
+        <p:sp>
+          <p:nvSpPr>
+            <p:cNvPr id="17" name="Freeform 8">
+              <a:extLst>
+                <a:ext uri="{FF2B5EF4-FFF2-40B4-BE49-F238E27FC236}">
+                  <a16:creationId xmlns:a16="http://schemas.microsoft.com/office/drawing/2014/main" id="{168F2688-1110-4BC0-9AAC-10D74DE369B6}"/>
+                </a:ext>
+                <a:ext uri="{C183D7F6-B498-43B3-948B-1728B52AA6E4}">
+                  <adec:decorative xmlns:adec="http://schemas.microsoft.com/office/drawing/2017/decorative" val="1"/>
+                </a:ext>
+              </a:extLst>
+            </p:cNvPr>
+            <p:cNvSpPr/>
+            <p:nvPr>
+              <p:extLst>
+                <p:ext uri="{386F3935-93C4-4BCD-93E2-E3B085C9AB24}">
+                  <p16:designElem xmlns:p16="http://schemas.microsoft.com/office/powerpoint/2015/main" val="1"/>
+                </p:ext>
+              </p:extLst>
+            </p:nvPr>
+          </p:nvSpPr>
+          <p:spPr bwMode="auto">
+            <a:xfrm>
+              <a:off x="1320800" y="5238750"/>
+              <a:ext cx="1228725" cy="1619250"/>
+            </a:xfrm>
+            <a:custGeom>
+              <a:avLst/>
+              <a:gdLst/>
+              <a:ahLst/>
+              <a:cxnLst/>
+              <a:rect l="0" t="0" r="r" b="b"/>
+              <a:pathLst>
+                <a:path w="774" h="1020">
+                  <a:moveTo>
+                    <a:pt x="0" y="0"/>
+                  </a:moveTo>
+                  <a:lnTo>
+                    <a:pt x="740" y="1020"/>
+                  </a:lnTo>
+                  <a:lnTo>
+                    <a:pt x="774" y="1020"/>
+                  </a:lnTo>
+                  <a:lnTo>
+                    <a:pt x="0" y="0"/>
+                  </a:lnTo>
+                  <a:close/>
+                </a:path>
+              </a:pathLst>
+            </a:custGeom>
+            <a:solidFill>
+              <a:schemeClr val="tx1">
+                <a:lumMod val="85000"/>
+                <a:lumOff val="15000"/>
+              </a:schemeClr>
+            </a:solidFill>
+            <a:ln>
+              <a:noFill/>
+            </a:ln>
+          </p:spPr>
+        </p:sp>
+        <p:sp>
+          <p:nvSpPr>
+            <p:cNvPr id="18" name="Freeform 9">
+              <a:extLst>
+                <a:ext uri="{FF2B5EF4-FFF2-40B4-BE49-F238E27FC236}">
+                  <a16:creationId xmlns:a16="http://schemas.microsoft.com/office/drawing/2014/main" id="{5CD49FE9-A25C-4E16-8AEA-68DD419A5F9E}"/>
+                </a:ext>
+                <a:ext uri="{C183D7F6-B498-43B3-948B-1728B52AA6E4}">
+                  <adec:decorative xmlns:adec="http://schemas.microsoft.com/office/drawing/2017/decorative" val="1"/>
+                </a:ext>
+              </a:extLst>
+            </p:cNvPr>
+            <p:cNvSpPr/>
+            <p:nvPr>
+              <p:extLst>
+                <p:ext uri="{386F3935-93C4-4BCD-93E2-E3B085C9AB24}">
+                  <p16:designElem xmlns:p16="http://schemas.microsoft.com/office/powerpoint/2015/main" val="1"/>
+                </p:ext>
+              </p:extLst>
+            </p:nvPr>
+          </p:nvSpPr>
+          <p:spPr bwMode="auto">
+            <a:xfrm>
+              <a:off x="1627188" y="5291138"/>
+              <a:ext cx="1495425" cy="1566863"/>
+            </a:xfrm>
+            <a:custGeom>
+              <a:avLst/>
+              <a:gdLst/>
+              <a:ahLst/>
+              <a:cxnLst/>
+              <a:rect l="0" t="0" r="r" b="b"/>
+              <a:pathLst>
+                <a:path w="942" h="987">
+                  <a:moveTo>
+                    <a:pt x="0" y="0"/>
+                  </a:moveTo>
+                  <a:lnTo>
+                    <a:pt x="909" y="987"/>
+                  </a:lnTo>
+                  <a:lnTo>
+                    <a:pt x="942" y="987"/>
+                  </a:lnTo>
+                  <a:lnTo>
+                    <a:pt x="0" y="0"/>
+                  </a:lnTo>
+                  <a:close/>
+                </a:path>
+              </a:pathLst>
+            </a:custGeom>
+            <a:solidFill>
+              <a:schemeClr val="accent1">
+                <a:lumMod val="50000"/>
+              </a:schemeClr>
+            </a:solidFill>
+            <a:ln>
+              <a:noFill/>
+            </a:ln>
+          </p:spPr>
+        </p:sp>
+        <p:sp>
+          <p:nvSpPr>
+            <p:cNvPr id="19" name="Freeform 10">
+              <a:extLst>
+                <a:ext uri="{FF2B5EF4-FFF2-40B4-BE49-F238E27FC236}">
+                  <a16:creationId xmlns:a16="http://schemas.microsoft.com/office/drawing/2014/main" id="{14F1D10A-5169-4727-8DC0-69AF6E62FA63}"/>
+                </a:ext>
+                <a:ext uri="{C183D7F6-B498-43B3-948B-1728B52AA6E4}">
+                  <adec:decorative xmlns:adec="http://schemas.microsoft.com/office/drawing/2017/decorative" val="1"/>
+                </a:ext>
+              </a:extLst>
+            </p:cNvPr>
+            <p:cNvSpPr/>
+            <p:nvPr>
+              <p:extLst>
+                <p:ext uri="{386F3935-93C4-4BCD-93E2-E3B085C9AB24}">
+                  <p16:designElem xmlns:p16="http://schemas.microsoft.com/office/powerpoint/2015/main" val="1"/>
+                </p:ext>
+              </p:extLst>
+            </p:nvPr>
+          </p:nvSpPr>
+          <p:spPr bwMode="auto">
+            <a:xfrm>
+              <a:off x="1627188" y="5286375"/>
+              <a:ext cx="2130425" cy="1571625"/>
+            </a:xfrm>
+            <a:custGeom>
+              <a:avLst/>
+              <a:gdLst/>
+              <a:ahLst/>
+              <a:cxnLst/>
+              <a:rect l="0" t="0" r="r" b="b"/>
+              <a:pathLst>
+                <a:path w="1342" h="990">
+                  <a:moveTo>
+                    <a:pt x="0" y="3"/>
+                  </a:moveTo>
+                  <a:lnTo>
+                    <a:pt x="942" y="990"/>
+                  </a:lnTo>
+                  <a:lnTo>
+                    <a:pt x="1342" y="990"/>
+                  </a:lnTo>
+                  <a:lnTo>
+                    <a:pt x="156" y="27"/>
+                  </a:lnTo>
+                  <a:lnTo>
+                    <a:pt x="0" y="0"/>
+                  </a:lnTo>
+                  <a:lnTo>
+                    <a:pt x="0" y="3"/>
+                  </a:lnTo>
+                  <a:close/>
+                </a:path>
+              </a:pathLst>
+            </a:custGeom>
+            <a:solidFill>
+              <a:schemeClr val="accent1">
+                <a:lumMod val="75000"/>
+              </a:schemeClr>
+            </a:solidFill>
+            <a:ln>
+              <a:noFill/>
+            </a:ln>
+          </p:spPr>
+        </p:sp>
+        <p:sp>
+          <p:nvSpPr>
+            <p:cNvPr id="20" name="Freeform 11">
+              <a:extLst>
+                <a:ext uri="{FF2B5EF4-FFF2-40B4-BE49-F238E27FC236}">
+                  <a16:creationId xmlns:a16="http://schemas.microsoft.com/office/drawing/2014/main" id="{CDEAD526-E7EB-4732-B1B5-8A4AE74FC49C}"/>
+                </a:ext>
+                <a:ext uri="{C183D7F6-B498-43B3-948B-1728B52AA6E4}">
+                  <adec:decorative xmlns:adec="http://schemas.microsoft.com/office/drawing/2017/decorative" val="1"/>
+                </a:ext>
+              </a:extLst>
+            </p:cNvPr>
+            <p:cNvSpPr/>
+            <p:nvPr>
+              <p:extLst>
+                <p:ext uri="{386F3935-93C4-4BCD-93E2-E3B085C9AB24}">
+                  <p16:designElem xmlns:p16="http://schemas.microsoft.com/office/powerpoint/2015/main" val="1"/>
+                </p:ext>
+              </p:extLst>
+            </p:nvPr>
+          </p:nvSpPr>
+          <p:spPr bwMode="auto">
+            <a:xfrm>
+              <a:off x="1320800" y="5238750"/>
+              <a:ext cx="1695450" cy="1619250"/>
+            </a:xfrm>
+            <a:custGeom>
+              <a:avLst/>
+              <a:gdLst/>
+              <a:ahLst/>
+              <a:cxnLst/>
+              <a:rect l="0" t="0" r="r" b="b"/>
+              <a:pathLst>
+                <a:path w="1068" h="1020">
+                  <a:moveTo>
+                    <a:pt x="1068" y="1020"/>
+                  </a:moveTo>
+                  <a:lnTo>
+                    <a:pt x="184" y="60"/>
+                  </a:lnTo>
+                  <a:lnTo>
+                    <a:pt x="154" y="27"/>
+                  </a:lnTo>
+                  <a:lnTo>
+                    <a:pt x="157" y="27"/>
+                  </a:lnTo>
+                  <a:lnTo>
+                    <a:pt x="157" y="24"/>
+                  </a:lnTo>
+                  <a:lnTo>
+                    <a:pt x="154" y="24"/>
+                  </a:lnTo>
+                  <a:lnTo>
+                    <a:pt x="0" y="0"/>
+                  </a:lnTo>
+                  <a:lnTo>
+                    <a:pt x="0" y="0"/>
+                  </a:lnTo>
+                  <a:lnTo>
+                    <a:pt x="774" y="1020"/>
+                  </a:lnTo>
+                  <a:lnTo>
+                    <a:pt x="1068" y="1020"/>
+                  </a:lnTo>
+                  <a:close/>
+                </a:path>
+              </a:pathLst>
+            </a:custGeom>
+            <a:solidFill>
+              <a:schemeClr val="tx1">
+                <a:lumMod val="75000"/>
+                <a:lumOff val="25000"/>
+              </a:schemeClr>
+            </a:solidFill>
+            <a:ln>
+              <a:noFill/>
+            </a:ln>
+          </p:spPr>
+        </p:sp>
+      </p:grpSp>
+      <p:sp>
+        <p:nvSpPr>
+          <p:cNvPr id="2" name="Title 1">
+            <a:extLst>
+              <a:ext uri="{FF2B5EF4-FFF2-40B4-BE49-F238E27FC236}">
+                <a16:creationId xmlns:a16="http://schemas.microsoft.com/office/drawing/2014/main" id="{845C3F93-0627-4726-B918-6291ACAAB029}"/>
+              </a:ext>
+            </a:extLst>
+          </p:cNvPr>
+          <p:cNvSpPr>
+            <a:spLocks noGrp="1"/>
+          </p:cNvSpPr>
+          <p:nvPr>
+            <p:ph type="title"/>
+          </p:nvPr>
+        </p:nvSpPr>
+        <p:spPr>
+          <a:xfrm>
+            <a:off x="1484312" y="685800"/>
+            <a:ext cx="2812386" cy="1752599"/>
+          </a:xfrm>
+        </p:spPr>
+        <p:txBody>
+          <a:bodyPr vert="horz" lIns="91440" tIns="45720" rIns="91440" bIns="45720" rtlCol="0" anchor="ctr">
+            <a:normAutofit/>
+          </a:bodyPr>
+          <a:lstStyle/>
+          <a:p>
+            <a:r>
+              <a:rPr lang="en-US" sz="3200"/>
+              <a:t>Tratamento de Exceções</a:t>
+            </a:r>
+          </a:p>
+        </p:txBody>
+      </p:sp>
+      <p:sp>
+        <p:nvSpPr>
+          <p:cNvPr id="11" name="Content Placeholder 10">
+            <a:extLst>
+              <a:ext uri="{FF2B5EF4-FFF2-40B4-BE49-F238E27FC236}">
+                <a16:creationId xmlns:a16="http://schemas.microsoft.com/office/drawing/2014/main" id="{0F242A63-3AE5-46D5-AEE7-52017FE49454}"/>
+              </a:ext>
+            </a:extLst>
+          </p:cNvPr>
+          <p:cNvSpPr>
+            <a:spLocks noGrp="1"/>
+          </p:cNvSpPr>
+          <p:nvPr>
+            <p:ph sz="half" idx="1"/>
+          </p:nvPr>
+        </p:nvSpPr>
+        <p:spPr>
+          <a:xfrm>
+            <a:off x="1227136" y="2952749"/>
+            <a:ext cx="3326736" cy="3124201"/>
+          </a:xfrm>
+        </p:spPr>
+        <p:txBody>
+          <a:bodyPr vert="horz" lIns="91440" tIns="45720" rIns="91440" bIns="45720" rtlCol="0" anchor="ctr">
+            <a:normAutofit/>
+          </a:bodyPr>
+          <a:lstStyle/>
+          <a:p>
+            <a:r>
+              <a:rPr lang="en-US"/>
+              <a:t>VehicleDoesNotExist()</a:t>
+            </a:r>
+          </a:p>
+          <a:p>
+            <a:pPr>
+              <a:buClr>
+                <a:srgbClr val="1287C3"/>
+              </a:buClr>
+            </a:pPr>
+            <a:r>
+              <a:rPr lang="en-US">
+                <a:ea typeface="+mn-lt"/>
+                <a:cs typeface="+mn-lt"/>
+              </a:rPr>
+              <a:t>EmployeeDoesNotExist()</a:t>
+            </a:r>
+          </a:p>
+          <a:p>
+            <a:pPr>
+              <a:buClr>
+                <a:srgbClr val="1287C3"/>
+              </a:buClr>
+            </a:pPr>
+            <a:r>
+              <a:rPr lang="en-US">
+                <a:ea typeface="+mn-lt"/>
+                <a:cs typeface="+mn-lt"/>
+              </a:rPr>
+              <a:t>DontExistAnyMovement()</a:t>
+            </a:r>
+          </a:p>
+          <a:p>
+            <a:pPr>
+              <a:buClr>
+                <a:srgbClr val="1287C3"/>
+              </a:buClr>
+            </a:pPr>
+            <a:r>
+              <a:rPr lang="en-US">
+                <a:ea typeface="+mn-lt"/>
+                <a:cs typeface="+mn-lt"/>
+              </a:rPr>
+              <a:t>DontExistAnyExitMovement()</a:t>
+            </a:r>
+          </a:p>
+        </p:txBody>
+      </p:sp>
+      <p:pic>
+        <p:nvPicPr>
+          <p:cNvPr id="8" name="Picture 8" descr="A screen shot of a computer&#10;&#10;Description automatically generated">
+            <a:extLst>
+              <a:ext uri="{FF2B5EF4-FFF2-40B4-BE49-F238E27FC236}">
+                <a16:creationId xmlns:a16="http://schemas.microsoft.com/office/drawing/2014/main" id="{5E6A1B8C-6637-4E05-BB42-A24D1E46225C}"/>
+              </a:ext>
+            </a:extLst>
+          </p:cNvPr>
+          <p:cNvPicPr>
+            <a:picLocks noChangeAspect="1"/>
+          </p:cNvPicPr>
+          <p:nvPr/>
+        </p:nvPicPr>
+        <p:blipFill>
+          <a:blip r:embed="rId3"/>
+          <a:stretch>
+            <a:fillRect/>
+          </a:stretch>
+        </p:blipFill>
+        <p:spPr>
+          <a:xfrm>
+            <a:off x="8096250" y="2669018"/>
+            <a:ext cx="3705225" cy="1729513"/>
+          </a:xfrm>
+          <a:prstGeom prst="rect">
+            <a:avLst/>
+          </a:prstGeom>
+          <a:ln>
+            <a:noFill/>
+          </a:ln>
+          <a:effectLst>
+            <a:outerShdw blurRad="292100" dist="139700" dir="2700000" algn="tl" rotWithShape="0">
+              <a:srgbClr val="333333">
+                <a:alpha val="65000"/>
+              </a:srgbClr>
+            </a:outerShdw>
+          </a:effectLst>
+        </p:spPr>
+      </p:pic>
+      <p:pic>
+        <p:nvPicPr>
+          <p:cNvPr id="10" name="Picture 11" descr="Graphical user interface, text&#10;&#10;Description automatically generated">
+            <a:extLst>
+              <a:ext uri="{FF2B5EF4-FFF2-40B4-BE49-F238E27FC236}">
+                <a16:creationId xmlns:a16="http://schemas.microsoft.com/office/drawing/2014/main" id="{99A2BA6C-719C-47D2-8706-149FA1A15325}"/>
+              </a:ext>
+            </a:extLst>
+          </p:cNvPr>
+          <p:cNvPicPr>
+            <a:picLocks noChangeAspect="1"/>
+          </p:cNvPicPr>
+          <p:nvPr/>
+        </p:nvPicPr>
+        <p:blipFill>
+          <a:blip r:embed="rId4"/>
+          <a:stretch>
+            <a:fillRect/>
+          </a:stretch>
+        </p:blipFill>
+        <p:spPr>
+          <a:xfrm>
+            <a:off x="5276850" y="4885997"/>
+            <a:ext cx="3324225" cy="991257"/>
+          </a:xfrm>
+          <a:prstGeom prst="rect">
+            <a:avLst/>
+          </a:prstGeom>
+          <a:ln>
+            <a:noFill/>
+          </a:ln>
+          <a:effectLst>
+            <a:outerShdw blurRad="292100" dist="139700" dir="2700000" algn="tl" rotWithShape="0">
+              <a:srgbClr val="333333">
+                <a:alpha val="65000"/>
+              </a:srgbClr>
+            </a:outerShdw>
+          </a:effectLst>
+        </p:spPr>
+      </p:pic>
+      <p:pic>
+        <p:nvPicPr>
+          <p:cNvPr id="12" name="Picture 12" descr="Text&#10;&#10;Description automatically generated">
+            <a:extLst>
+              <a:ext uri="{FF2B5EF4-FFF2-40B4-BE49-F238E27FC236}">
+                <a16:creationId xmlns:a16="http://schemas.microsoft.com/office/drawing/2014/main" id="{F5582ABA-7A99-497B-AE4E-04BAF691D1F9}"/>
+              </a:ext>
+            </a:extLst>
+          </p:cNvPr>
+          <p:cNvPicPr>
+            <a:picLocks noChangeAspect="1"/>
+          </p:cNvPicPr>
+          <p:nvPr/>
+        </p:nvPicPr>
+        <p:blipFill>
+          <a:blip r:embed="rId5"/>
+          <a:stretch>
+            <a:fillRect/>
+          </a:stretch>
+        </p:blipFill>
+        <p:spPr>
+          <a:xfrm>
+            <a:off x="4057650" y="2230531"/>
+            <a:ext cx="3667125" cy="1272988"/>
+          </a:xfrm>
+          <a:prstGeom prst="rect">
+            <a:avLst/>
+          </a:prstGeom>
+          <a:ln>
+            <a:noFill/>
+          </a:ln>
+          <a:effectLst>
+            <a:outerShdw blurRad="292100" dist="139700" dir="2700000" algn="tl" rotWithShape="0">
+              <a:srgbClr val="333333">
+                <a:alpha val="65000"/>
+              </a:srgbClr>
+            </a:outerShdw>
+          </a:effectLst>
+        </p:spPr>
+      </p:pic>
+    </p:spTree>
+    <p:extLst>
+      <p:ext uri="{BB962C8B-B14F-4D97-AF65-F5344CB8AC3E}">
+        <p14:creationId xmlns:p14="http://schemas.microsoft.com/office/powerpoint/2010/main" val="3704137437"/>
+      </p:ext>
+    </p:extLst>
+  </p:cSld>
+  <p:clrMapOvr>
+    <a:masterClrMapping/>
+  </p:clrMapOvr>
+</p:sld>
+</file>
+
+<file path=ppt/slides/slide11.xml><?xml version="1.0" encoding="utf-8"?>
+<p:sld xmlns:a="http://schemas.openxmlformats.org/drawingml/2006/main" xmlns:r="http://schemas.openxmlformats.org/officeDocument/2006/relationships" xmlns:p="http://schemas.openxmlformats.org/presentationml/2006/main">
+  <p:cSld>
+    <p:spTree>
+      <p:nvGrpSpPr>
+        <p:cNvPr id="1" name=""/>
+        <p:cNvGrpSpPr/>
+        <p:nvPr/>
+      </p:nvGrpSpPr>
+      <p:grpSpPr>
+        <a:xfrm>
+          <a:off x="0" y="0"/>
+          <a:ext cx="0" cy="0"/>
+          <a:chOff x="0" y="0"/>
+          <a:chExt cx="0" cy="0"/>
+        </a:xfrm>
+      </p:grpSpPr>
+      <p:sp>
+        <p:nvSpPr>
+          <p:cNvPr id="2" name="Título 1">
+            <a:extLst>
+              <a:ext uri="{FF2B5EF4-FFF2-40B4-BE49-F238E27FC236}">
+                <a16:creationId xmlns:a16="http://schemas.microsoft.com/office/drawing/2014/main" id="{3CEF04AC-5109-48DD-8ADF-FE0B2B837D8F}"/>
+              </a:ext>
+            </a:extLst>
+          </p:cNvPr>
+          <p:cNvSpPr>
+            <a:spLocks noGrp="1"/>
+          </p:cNvSpPr>
+          <p:nvPr>
+            <p:ph type="title"/>
+          </p:nvPr>
+        </p:nvSpPr>
+        <p:spPr/>
+        <p:txBody>
+          <a:bodyPr/>
+          <a:lstStyle/>
+          <a:p>
+            <a:r>
+              <a:rPr lang="pt-PT"/>
+              <a:t>Funcionalidades Implementadas - CRUD</a:t>
+            </a:r>
+          </a:p>
+        </p:txBody>
+      </p:sp>
+      <p:sp>
+        <p:nvSpPr>
+          <p:cNvPr id="3" name="Marcador de Posição de Conteúdo 2">
+            <a:extLst>
+              <a:ext uri="{FF2B5EF4-FFF2-40B4-BE49-F238E27FC236}">
+                <a16:creationId xmlns:a16="http://schemas.microsoft.com/office/drawing/2014/main" id="{2A2EEC1F-BA37-4AA9-A682-D1917265F675}"/>
+              </a:ext>
+            </a:extLst>
+          </p:cNvPr>
+          <p:cNvSpPr>
+            <a:spLocks noGrp="1"/>
+          </p:cNvSpPr>
+          <p:nvPr>
+            <p:ph idx="1"/>
+          </p:nvPr>
+        </p:nvSpPr>
+        <p:spPr/>
+        <p:txBody>
+          <a:bodyPr/>
+          <a:lstStyle/>
+          <a:p>
+            <a:r>
+              <a:rPr lang="pt-PT"/>
+              <a:t>CRUD – Highways (completa)</a:t>
+            </a:r>
+          </a:p>
+          <a:p>
+            <a:pPr>
+              <a:buClr>
+                <a:srgbClr val="1287C3"/>
+              </a:buClr>
+            </a:pPr>
+            <a:r>
+              <a:rPr lang="pt-PT">
+                <a:ea typeface="+mn-lt"/>
+                <a:cs typeface="+mn-lt"/>
+              </a:rPr>
+              <a:t>CRUD – Tolls (completa)</a:t>
+            </a:r>
+          </a:p>
+          <a:p>
+            <a:pPr>
+              <a:buClr>
+                <a:srgbClr val="1287C3"/>
+              </a:buClr>
+            </a:pPr>
+            <a:r>
+              <a:rPr lang="pt-PT">
+                <a:ea typeface="+mn-lt"/>
+                <a:cs typeface="+mn-lt"/>
+              </a:rPr>
+              <a:t>CRUD – Lanes (completa)</a:t>
+            </a:r>
+          </a:p>
+          <a:p>
+            <a:pPr>
+              <a:buClr>
+                <a:srgbClr val="1287C3"/>
+              </a:buClr>
+            </a:pPr>
+            <a:r>
+              <a:rPr lang="pt-PT">
+                <a:ea typeface="+mn-lt"/>
+                <a:cs typeface="+mn-lt"/>
+              </a:rPr>
+              <a:t>CRUD – Vehicles (completa)</a:t>
+            </a:r>
+          </a:p>
+          <a:p>
+            <a:pPr>
+              <a:buClr>
+                <a:srgbClr val="1287C3"/>
+              </a:buClr>
+            </a:pPr>
+            <a:r>
+              <a:rPr lang="pt-PT">
+                <a:ea typeface="+mn-lt"/>
+                <a:cs typeface="+mn-lt"/>
+              </a:rPr>
+              <a:t>CRUD – Employees (completa)</a:t>
+            </a:r>
+          </a:p>
+        </p:txBody>
+      </p:sp>
+      <p:pic>
+        <p:nvPicPr>
+          <p:cNvPr id="6" name="Picture 6" descr="Text&#10;&#10;Description automatically generated">
+            <a:extLst>
+              <a:ext uri="{FF2B5EF4-FFF2-40B4-BE49-F238E27FC236}">
+                <a16:creationId xmlns:a16="http://schemas.microsoft.com/office/drawing/2014/main" id="{9776E958-8330-496C-8911-22A930A9A756}"/>
+              </a:ext>
+            </a:extLst>
+          </p:cNvPr>
+          <p:cNvPicPr>
+            <a:picLocks noChangeAspect="1"/>
+          </p:cNvPicPr>
+          <p:nvPr/>
+        </p:nvPicPr>
+        <p:blipFill>
+          <a:blip r:embed="rId2"/>
+          <a:stretch>
+            <a:fillRect/>
+          </a:stretch>
+        </p:blipFill>
+        <p:spPr>
+          <a:xfrm>
+            <a:off x="8162925" y="4610100"/>
+            <a:ext cx="2743200" cy="914400"/>
+          </a:xfrm>
+          <a:prstGeom prst="rect">
+            <a:avLst/>
+          </a:prstGeom>
+          <a:ln>
+            <a:noFill/>
+          </a:ln>
+          <a:effectLst>
+            <a:outerShdw blurRad="292100" dist="139700" dir="2700000" algn="tl" rotWithShape="0">
+              <a:srgbClr val="333333">
+                <a:alpha val="65000"/>
+              </a:srgbClr>
+            </a:outerShdw>
+          </a:effectLst>
+        </p:spPr>
+      </p:pic>
+      <p:pic>
+        <p:nvPicPr>
+          <p:cNvPr id="7" name="Picture 7" descr="Text&#10;&#10;Description automatically generated">
+            <a:extLst>
+              <a:ext uri="{FF2B5EF4-FFF2-40B4-BE49-F238E27FC236}">
+                <a16:creationId xmlns:a16="http://schemas.microsoft.com/office/drawing/2014/main" id="{6A8C698B-13FE-40E6-87CE-822400439C86}"/>
+              </a:ext>
+            </a:extLst>
+          </p:cNvPr>
+          <p:cNvPicPr>
+            <a:picLocks noChangeAspect="1"/>
+          </p:cNvPicPr>
+          <p:nvPr/>
+        </p:nvPicPr>
+        <p:blipFill>
+          <a:blip r:embed="rId3"/>
+          <a:stretch>
+            <a:fillRect/>
+          </a:stretch>
+        </p:blipFill>
+        <p:spPr>
+          <a:xfrm>
+            <a:off x="7077075" y="3067050"/>
+            <a:ext cx="1866900" cy="990600"/>
+          </a:xfrm>
+          <a:prstGeom prst="rect">
+            <a:avLst/>
+          </a:prstGeom>
+          <a:ln>
+            <a:noFill/>
+          </a:ln>
+          <a:effectLst>
+            <a:outerShdw blurRad="292100" dist="139700" dir="2700000" algn="tl" rotWithShape="0">
+              <a:srgbClr val="333333">
+                <a:alpha val="65000"/>
+              </a:srgbClr>
+            </a:outerShdw>
+          </a:effectLst>
+        </p:spPr>
+      </p:pic>
+    </p:spTree>
+    <p:extLst>
+      <p:ext uri="{BB962C8B-B14F-4D97-AF65-F5344CB8AC3E}">
+        <p14:creationId xmlns:p14="http://schemas.microsoft.com/office/powerpoint/2010/main" val="1123528265"/>
+      </p:ext>
+    </p:extLst>
+  </p:cSld>
+  <p:clrMapOvr>
+    <a:masterClrMapping/>
+  </p:clrMapOvr>
+</p:sld>
+</file>
+
+<file path=ppt/slides/slide12.xml><?xml version="1.0" encoding="utf-8"?>
+<p:sld xmlns:a="http://schemas.openxmlformats.org/drawingml/2006/main" xmlns:r="http://schemas.openxmlformats.org/officeDocument/2006/relationships" xmlns:p="http://schemas.openxmlformats.org/presentationml/2006/main">
+  <p:cSld>
+    <p:spTree>
+      <p:nvGrpSpPr>
+        <p:cNvPr id="1" name=""/>
+        <p:cNvGrpSpPr/>
+        <p:nvPr/>
+      </p:nvGrpSpPr>
+      <p:grpSpPr>
+        <a:xfrm>
+          <a:off x="0" y="0"/>
+          <a:ext cx="0" cy="0"/>
+          <a:chOff x="0" y="0"/>
+          <a:chExt cx="0" cy="0"/>
+        </a:xfrm>
+      </p:grpSpPr>
+      <p:sp>
+        <p:nvSpPr>
+          <p:cNvPr id="2" name="Title 1">
+            <a:extLst>
+              <a:ext uri="{FF2B5EF4-FFF2-40B4-BE49-F238E27FC236}">
+                <a16:creationId xmlns:a16="http://schemas.microsoft.com/office/drawing/2014/main" id="{16AEB44B-E7CC-456A-B0AA-05D741AFAE6E}"/>
+              </a:ext>
+            </a:extLst>
+          </p:cNvPr>
+          <p:cNvSpPr>
+            <a:spLocks noGrp="1"/>
+          </p:cNvSpPr>
+          <p:nvPr>
+            <p:ph type="title"/>
+          </p:nvPr>
+        </p:nvSpPr>
+        <p:spPr/>
+        <p:txBody>
+          <a:bodyPr/>
+          <a:lstStyle/>
+          <a:p>
+            <a:r>
+              <a:rPr lang="pt-PT">
+                <a:ea typeface="+mj-lt"/>
+                <a:cs typeface="+mj-lt"/>
+              </a:rPr>
+              <a:t>Funcionalidades Implementadas – Listagem e Pesquisa</a:t>
+            </a:r>
+            <a:endParaRPr lang="en-US"/>
+          </a:p>
+        </p:txBody>
+      </p:sp>
+      <p:pic>
+        <p:nvPicPr>
+          <p:cNvPr id="4" name="Picture 4" descr="Text&#10;&#10;Description automatically generated">
+            <a:extLst>
+              <a:ext uri="{FF2B5EF4-FFF2-40B4-BE49-F238E27FC236}">
+                <a16:creationId xmlns:a16="http://schemas.microsoft.com/office/drawing/2014/main" id="{687947A3-0539-4E7E-AA3D-B2DE0604AEEE}"/>
+              </a:ext>
+            </a:extLst>
+          </p:cNvPr>
+          <p:cNvPicPr>
+            <a:picLocks noGrp="1" noChangeAspect="1"/>
+          </p:cNvPicPr>
+          <p:nvPr>
+            <p:ph sz="half" idx="1"/>
+          </p:nvPr>
+        </p:nvPicPr>
+        <p:blipFill>
+          <a:blip r:embed="rId2"/>
+          <a:stretch>
+            <a:fillRect/>
+          </a:stretch>
+        </p:blipFill>
+        <p:spPr>
+          <a:xfrm>
+            <a:off x="7389742" y="2805956"/>
+            <a:ext cx="3867150" cy="2981325"/>
+          </a:xfrm>
+          <a:prstGeom prst="rect">
+            <a:avLst/>
+          </a:prstGeom>
+          <a:ln>
+            <a:noFill/>
+          </a:ln>
+          <a:effectLst>
+            <a:outerShdw blurRad="292100" dist="139700" dir="2700000" algn="tl" rotWithShape="0">
+              <a:srgbClr val="333333">
+                <a:alpha val="65000"/>
+              </a:srgbClr>
+            </a:outerShdw>
+          </a:effectLst>
+        </p:spPr>
+      </p:pic>
+      <p:sp>
+        <p:nvSpPr>
+          <p:cNvPr id="5" name="Content Placeholder 4">
+            <a:extLst>
+              <a:ext uri="{FF2B5EF4-FFF2-40B4-BE49-F238E27FC236}">
+                <a16:creationId xmlns:a16="http://schemas.microsoft.com/office/drawing/2014/main" id="{84F62BE4-5D5E-4464-AF14-BA8140DB9AD4}"/>
+              </a:ext>
+            </a:extLst>
+          </p:cNvPr>
+          <p:cNvSpPr>
+            <a:spLocks noGrp="1"/>
+          </p:cNvSpPr>
+          <p:nvPr>
+            <p:ph sz="half" idx="2"/>
+          </p:nvPr>
+        </p:nvSpPr>
+        <p:spPr>
+          <a:xfrm>
+            <a:off x="1418651" y="2734520"/>
+            <a:ext cx="4895056" cy="3124200"/>
+          </a:xfrm>
+        </p:spPr>
+        <p:txBody>
+          <a:bodyPr/>
+          <a:lstStyle/>
+          <a:p>
+            <a:r>
+              <a:rPr lang="en-GB" err="1"/>
+              <a:t>Listas</a:t>
+            </a:r>
+            <a:r>
+              <a:rPr lang="en-GB"/>
+              <a:t> dos </a:t>
+            </a:r>
+            <a:r>
+              <a:rPr lang="en-GB" err="1"/>
+              <a:t>movimentos</a:t>
+            </a:r>
+            <a:r>
+              <a:rPr lang="en-GB"/>
+              <a:t> de </a:t>
+            </a:r>
+            <a:r>
+              <a:rPr lang="en-GB" err="1"/>
+              <a:t>objetos</a:t>
+            </a:r>
+            <a:r>
+              <a:rPr lang="en-GB"/>
+              <a:t> que </a:t>
+            </a:r>
+            <a:r>
+              <a:rPr lang="en-GB" err="1"/>
+              <a:t>podem</a:t>
+            </a:r>
+            <a:r>
+              <a:rPr lang="en-GB"/>
+              <a:t> ser </a:t>
+            </a:r>
+            <a:r>
+              <a:rPr lang="en-GB" err="1"/>
+              <a:t>pesquisados</a:t>
+            </a:r>
+            <a:r>
+              <a:rPr lang="en-GB"/>
+              <a:t> por </a:t>
+            </a:r>
+            <a:r>
+              <a:rPr lang="en-GB" err="1"/>
+              <a:t>uma</a:t>
+            </a:r>
+            <a:r>
+              <a:rPr lang="en-GB"/>
+              <a:t> </a:t>
+            </a:r>
+            <a:r>
+              <a:rPr lang="en-GB" err="1"/>
+              <a:t>caracteristica</a:t>
+            </a:r>
+            <a:r>
+              <a:rPr lang="en-GB"/>
+              <a:t> </a:t>
+            </a:r>
+            <a:r>
+              <a:rPr lang="en-GB" err="1"/>
+              <a:t>própria</a:t>
+            </a:r>
+            <a:r>
+              <a:rPr lang="en-GB"/>
+              <a:t> </a:t>
+            </a:r>
+            <a:r>
+              <a:rPr lang="en-GB" err="1"/>
+              <a:t>escolhida</a:t>
+            </a:r>
+            <a:r>
+              <a:rPr lang="en-GB"/>
+              <a:t> </a:t>
+            </a:r>
+            <a:r>
+              <a:rPr lang="en-GB" err="1"/>
+              <a:t>pelo</a:t>
+            </a:r>
+            <a:r>
+              <a:rPr lang="en-GB"/>
+              <a:t> </a:t>
+            </a:r>
+            <a:r>
+              <a:rPr lang="en-GB" err="1"/>
+              <a:t>utilizador</a:t>
+            </a:r>
+            <a:endParaRPr lang="en-GB"/>
+          </a:p>
+          <a:p>
+            <a:pPr>
+              <a:buClr>
+                <a:srgbClr val="1287C3"/>
+              </a:buClr>
+            </a:pPr>
+            <a:r>
+              <a:rPr lang="en-GB" err="1"/>
+              <a:t>Pesquisa</a:t>
+            </a:r>
+            <a:r>
+              <a:rPr lang="en-GB"/>
+              <a:t> de </a:t>
+            </a:r>
+            <a:r>
+              <a:rPr lang="en-GB" err="1"/>
+              <a:t>movimentos</a:t>
+            </a:r>
+            <a:r>
+              <a:rPr lang="en-GB"/>
+              <a:t> de um </a:t>
+            </a:r>
+            <a:r>
+              <a:rPr lang="en-GB" err="1"/>
+              <a:t>veiculo</a:t>
+            </a:r>
+            <a:r>
+              <a:rPr lang="en-GB"/>
+              <a:t> </a:t>
+            </a:r>
+            <a:r>
+              <a:rPr lang="en-GB" err="1"/>
+              <a:t>ou</a:t>
+            </a:r>
+            <a:r>
+              <a:rPr lang="en-GB"/>
+              <a:t> </a:t>
+            </a:r>
+            <a:r>
+              <a:rPr lang="en-GB" err="1"/>
+              <a:t>funcionário</a:t>
+            </a:r>
+            <a:r>
+              <a:rPr lang="en-GB"/>
+              <a:t> </a:t>
+            </a:r>
+            <a:r>
+              <a:rPr lang="en-GB" err="1"/>
+              <a:t>escolhido</a:t>
+            </a:r>
+            <a:r>
+              <a:rPr lang="en-GB"/>
+              <a:t> </a:t>
+            </a:r>
+            <a:r>
+              <a:rPr lang="en-GB" err="1"/>
+              <a:t>pelo</a:t>
+            </a:r>
+            <a:r>
+              <a:rPr lang="en-GB"/>
+              <a:t> </a:t>
+            </a:r>
+            <a:r>
+              <a:rPr lang="en-GB" err="1"/>
+              <a:t>utilizador</a:t>
+            </a:r>
+            <a:endParaRPr lang="en-GB"/>
+          </a:p>
+        </p:txBody>
+      </p:sp>
+    </p:spTree>
+    <p:extLst>
+      <p:ext uri="{BB962C8B-B14F-4D97-AF65-F5344CB8AC3E}">
+        <p14:creationId xmlns:p14="http://schemas.microsoft.com/office/powerpoint/2010/main" val="1104985739"/>
+      </p:ext>
+    </p:extLst>
+  </p:cSld>
+  <p:clrMapOvr>
+    <a:masterClrMapping/>
+  </p:clrMapOvr>
+</p:sld>
+</file>
+
+<file path=ppt/slides/slide13.xml><?xml version="1.0" encoding="utf-8"?>
+<p:sld xmlns:a="http://schemas.openxmlformats.org/drawingml/2006/main" xmlns:r="http://schemas.openxmlformats.org/officeDocument/2006/relationships" xmlns:p="http://schemas.openxmlformats.org/presentationml/2006/main">
+  <p:cSld>
     <p:spTree>
       <p:nvGrpSpPr>
         <p:cNvPr id="1" name=""/>
@@ -7110,7 +8328,7 @@
 </p:sld>
 </file>
 
-<file path=ppt/slides/slide11.xml><?xml version="1.0" encoding="utf-8"?>
+<file path=ppt/slides/slide14.xml><?xml version="1.0" encoding="utf-8"?>
 <p:sld xmlns:a="http://schemas.openxmlformats.org/drawingml/2006/main" xmlns:r="http://schemas.openxmlformats.org/officeDocument/2006/relationships" xmlns:p="http://schemas.openxmlformats.org/presentationml/2006/main">
   <p:cSld>
     <p:spTree>
@@ -7346,7 +8564,7 @@
 </p:sld>
 </file>
 
-<file path=ppt/slides/slide12.xml><?xml version="1.0" encoding="utf-8"?>
+<file path=ppt/slides/slide15.xml><?xml version="1.0" encoding="utf-8"?>
 <p:sld xmlns:a="http://schemas.openxmlformats.org/drawingml/2006/main" xmlns:r="http://schemas.openxmlformats.org/officeDocument/2006/relationships" xmlns:p="http://schemas.openxmlformats.org/presentationml/2006/main">
   <p:cSld>
     <p:spTree>
@@ -8704,7 +9922,7 @@
               <a:t>Foram</a:t>
             </a:r>
             <a:r>
-              <a:rPr lang="en-GB"/>
+              <a:rPr lang="en-GB" dirty="0"/>
               <a:t> </a:t>
             </a:r>
             <a:r>
@@ -8736,7 +9954,7 @@
               <a:t>bem</a:t>
             </a:r>
             <a:r>
-              <a:rPr lang="en-GB"/>
+              <a:rPr lang="en-GB" dirty="0"/>
               <a:t> </a:t>
             </a:r>
             <a:r>
@@ -8744,7 +9962,7 @@
               <a:t>como</a:t>
             </a:r>
             <a:r>
-              <a:rPr lang="en-GB"/>
+              <a:rPr lang="en-GB" dirty="0"/>
               <a:t> </a:t>
             </a:r>
             <a:r>
@@ -8752,7 +9970,7 @@
               <a:t>uma</a:t>
             </a:r>
             <a:r>
-              <a:rPr lang="en-GB"/>
+              <a:rPr lang="en-GB" dirty="0"/>
               <a:t> </a:t>
             </a:r>
             <a:r>
@@ -8760,7 +9978,7 @@
               <a:t>adicional</a:t>
             </a:r>
             <a:r>
-              <a:rPr lang="en-GB"/>
+              <a:rPr lang="en-GB" dirty="0"/>
               <a:t> </a:t>
             </a:r>
             <a:r>
@@ -8771,6 +9989,22 @@
               <a:rPr lang="en-GB"/>
               <a:t> com exceções</a:t>
             </a:r>
+          </a:p>
+          <a:p>
+            <a:pPr marL="0" indent="0">
+              <a:buNone/>
+            </a:pPr>
+            <a:endParaRPr lang="en-GB" dirty="0"/>
+          </a:p>
+          <a:p>
+            <a:pPr marL="0" indent="0">
+              <a:buNone/>
+            </a:pPr>
+            <a:r>
+              <a:rPr lang="en-GB"/>
+              <a:t>ÓSCAR TAS AI?</a:t>
+            </a:r>
+            <a:endParaRPr lang="en-GB" dirty="0"/>
           </a:p>
           <a:p>
             <a:pPr marL="0" indent="0">
@@ -9220,6 +10454,186 @@
 </file>
 
 <file path=ppt/slides/slide6.xml><?xml version="1.0" encoding="utf-8"?>
+<p:sld xmlns:a="http://schemas.openxmlformats.org/drawingml/2006/main" xmlns:r="http://schemas.openxmlformats.org/officeDocument/2006/relationships" xmlns:p="http://schemas.openxmlformats.org/presentationml/2006/main">
+  <p:cSld>
+    <p:spTree>
+      <p:nvGrpSpPr>
+        <p:cNvPr id="1" name=""/>
+        <p:cNvGrpSpPr/>
+        <p:nvPr/>
+      </p:nvGrpSpPr>
+      <p:grpSpPr>
+        <a:xfrm>
+          <a:off x="0" y="0"/>
+          <a:ext cx="0" cy="0"/>
+          <a:chOff x="0" y="0"/>
+          <a:chExt cx="0" cy="0"/>
+        </a:xfrm>
+      </p:grpSpPr>
+      <p:pic>
+        <p:nvPicPr>
+          <p:cNvPr id="2" name="Picture 2" descr="Diagram&#10;&#10;Description automatically generated">
+            <a:extLst>
+              <a:ext uri="{FF2B5EF4-FFF2-40B4-BE49-F238E27FC236}">
+                <a16:creationId xmlns:a16="http://schemas.microsoft.com/office/drawing/2014/main" id="{92A68125-494C-4CB5-B865-869DB13B2D1E}"/>
+              </a:ext>
+            </a:extLst>
+          </p:cNvPr>
+          <p:cNvPicPr>
+            <a:picLocks noChangeAspect="1"/>
+          </p:cNvPicPr>
+          <p:nvPr/>
+        </p:nvPicPr>
+        <p:blipFill>
+          <a:blip r:embed="rId2"/>
+          <a:stretch>
+            <a:fillRect/>
+          </a:stretch>
+        </p:blipFill>
+        <p:spPr>
+          <a:xfrm>
+            <a:off x="1221061" y="496123"/>
+            <a:ext cx="10335320" cy="5930802"/>
+          </a:xfrm>
+          <a:prstGeom prst="rect">
+            <a:avLst/>
+          </a:prstGeom>
+        </p:spPr>
+      </p:pic>
+    </p:spTree>
+    <p:extLst>
+      <p:ext uri="{BB962C8B-B14F-4D97-AF65-F5344CB8AC3E}">
+        <p14:creationId xmlns:p14="http://schemas.microsoft.com/office/powerpoint/2010/main" val="1925537340"/>
+      </p:ext>
+    </p:extLst>
+  </p:cSld>
+  <p:clrMapOvr>
+    <a:masterClrMapping/>
+  </p:clrMapOvr>
+</p:sld>
+</file>
+
+<file path=ppt/slides/slide7.xml><?xml version="1.0" encoding="utf-8"?>
+<p:sld xmlns:a="http://schemas.openxmlformats.org/drawingml/2006/main" xmlns:r="http://schemas.openxmlformats.org/officeDocument/2006/relationships" xmlns:p="http://schemas.openxmlformats.org/presentationml/2006/main">
+  <p:cSld>
+    <p:spTree>
+      <p:nvGrpSpPr>
+        <p:cNvPr id="1" name=""/>
+        <p:cNvGrpSpPr/>
+        <p:nvPr/>
+      </p:nvGrpSpPr>
+      <p:grpSpPr>
+        <a:xfrm>
+          <a:off x="0" y="0"/>
+          <a:ext cx="0" cy="0"/>
+          <a:chOff x="0" y="0"/>
+          <a:chExt cx="0" cy="0"/>
+        </a:xfrm>
+      </p:grpSpPr>
+      <p:pic>
+        <p:nvPicPr>
+          <p:cNvPr id="2" name="Picture 2" descr="Diagram&#10;&#10;Description automatically generated">
+            <a:extLst>
+              <a:ext uri="{FF2B5EF4-FFF2-40B4-BE49-F238E27FC236}">
+                <a16:creationId xmlns:a16="http://schemas.microsoft.com/office/drawing/2014/main" id="{5FFE69F1-B3F2-4425-B61B-FF90BCA088C6}"/>
+              </a:ext>
+            </a:extLst>
+          </p:cNvPr>
+          <p:cNvPicPr>
+            <a:picLocks noChangeAspect="1"/>
+          </p:cNvPicPr>
+          <p:nvPr/>
+        </p:nvPicPr>
+        <p:blipFill>
+          <a:blip r:embed="rId2"/>
+          <a:stretch>
+            <a:fillRect/>
+          </a:stretch>
+        </p:blipFill>
+        <p:spPr>
+          <a:xfrm>
+            <a:off x="1699093" y="175037"/>
+            <a:ext cx="9898565" cy="6507062"/>
+          </a:xfrm>
+          <a:prstGeom prst="rect">
+            <a:avLst/>
+          </a:prstGeom>
+        </p:spPr>
+      </p:pic>
+    </p:spTree>
+    <p:extLst>
+      <p:ext uri="{BB962C8B-B14F-4D97-AF65-F5344CB8AC3E}">
+        <p14:creationId xmlns:p14="http://schemas.microsoft.com/office/powerpoint/2010/main" val="3722382353"/>
+      </p:ext>
+    </p:extLst>
+  </p:cSld>
+  <p:clrMapOvr>
+    <a:masterClrMapping/>
+  </p:clrMapOvr>
+</p:sld>
+</file>
+
+<file path=ppt/slides/slide8.xml><?xml version="1.0" encoding="utf-8"?>
+<p:sld xmlns:a="http://schemas.openxmlformats.org/drawingml/2006/main" xmlns:r="http://schemas.openxmlformats.org/officeDocument/2006/relationships" xmlns:p="http://schemas.openxmlformats.org/presentationml/2006/main">
+  <p:cSld>
+    <p:spTree>
+      <p:nvGrpSpPr>
+        <p:cNvPr id="1" name=""/>
+        <p:cNvGrpSpPr/>
+        <p:nvPr/>
+      </p:nvGrpSpPr>
+      <p:grpSpPr>
+        <a:xfrm>
+          <a:off x="0" y="0"/>
+          <a:ext cx="0" cy="0"/>
+          <a:chOff x="0" y="0"/>
+          <a:chExt cx="0" cy="0"/>
+        </a:xfrm>
+      </p:grpSpPr>
+      <p:pic>
+        <p:nvPicPr>
+          <p:cNvPr id="2" name="Picture 2" descr="Diagram&#10;&#10;Description automatically generated">
+            <a:extLst>
+              <a:ext uri="{FF2B5EF4-FFF2-40B4-BE49-F238E27FC236}">
+                <a16:creationId xmlns:a16="http://schemas.microsoft.com/office/drawing/2014/main" id="{8AF5A129-9A33-4E03-B8BE-697F49D3E02D}"/>
+              </a:ext>
+            </a:extLst>
+          </p:cNvPr>
+          <p:cNvPicPr>
+            <a:picLocks noChangeAspect="1"/>
+          </p:cNvPicPr>
+          <p:nvPr/>
+        </p:nvPicPr>
+        <p:blipFill>
+          <a:blip r:embed="rId2"/>
+          <a:stretch>
+            <a:fillRect/>
+          </a:stretch>
+        </p:blipFill>
+        <p:spPr>
+          <a:xfrm>
+            <a:off x="1490547" y="617927"/>
+            <a:ext cx="10019369" cy="5612853"/>
+          </a:xfrm>
+          <a:prstGeom prst="rect">
+            <a:avLst/>
+          </a:prstGeom>
+        </p:spPr>
+      </p:pic>
+    </p:spTree>
+    <p:extLst>
+      <p:ext uri="{BB962C8B-B14F-4D97-AF65-F5344CB8AC3E}">
+        <p14:creationId xmlns:p14="http://schemas.microsoft.com/office/powerpoint/2010/main" val="1557030562"/>
+      </p:ext>
+    </p:extLst>
+  </p:cSld>
+  <p:clrMapOvr>
+    <a:masterClrMapping/>
+  </p:clrMapOvr>
+</p:sld>
+</file>
+
+<file path=ppt/slides/slide9.xml><?xml version="1.0" encoding="utf-8"?>
 <p:sld xmlns:a="http://schemas.openxmlformats.org/drawingml/2006/main" xmlns:r="http://schemas.openxmlformats.org/officeDocument/2006/relationships" xmlns:p="http://schemas.openxmlformats.org/presentationml/2006/main">
   <p:cSld>
     <p:spTree>
@@ -9509,1220 +10923,6 @@
     <p:extLst>
       <p:ext uri="{BB962C8B-B14F-4D97-AF65-F5344CB8AC3E}">
         <p14:creationId xmlns:p14="http://schemas.microsoft.com/office/powerpoint/2010/main" val="1504579446"/>
-      </p:ext>
-    </p:extLst>
-  </p:cSld>
-  <p:clrMapOvr>
-    <a:masterClrMapping/>
-  </p:clrMapOvr>
-</p:sld>
-</file>
-
-<file path=ppt/slides/slide7.xml><?xml version="1.0" encoding="utf-8"?>
-<p:sld xmlns:a="http://schemas.openxmlformats.org/drawingml/2006/main" xmlns:r="http://schemas.openxmlformats.org/officeDocument/2006/relationships" xmlns:p="http://schemas.openxmlformats.org/presentationml/2006/main">
-  <p:cSld>
-    <p:bg>
-      <p:bgPr>
-        <a:blipFill rotWithShape="1">
-          <a:blip r:embed="rId2">
-            <a:duotone>
-              <a:schemeClr val="bg2">
-                <a:shade val="76000"/>
-                <a:satMod val="180000"/>
-              </a:schemeClr>
-              <a:schemeClr val="bg2">
-                <a:tint val="80000"/>
-                <a:satMod val="120000"/>
-                <a:lumMod val="180000"/>
-              </a:schemeClr>
-            </a:duotone>
-          </a:blip>
-          <a:stretch/>
-        </a:blipFill>
-        <a:effectLst/>
-      </p:bgPr>
-    </p:bg>
-    <p:spTree>
-      <p:nvGrpSpPr>
-        <p:cNvPr id="1" name=""/>
-        <p:cNvGrpSpPr/>
-        <p:nvPr/>
-      </p:nvGrpSpPr>
-      <p:grpSpPr>
-        <a:xfrm>
-          <a:off x="0" y="0"/>
-          <a:ext cx="0" cy="0"/>
-          <a:chOff x="0" y="0"/>
-          <a:chExt cx="0" cy="0"/>
-        </a:xfrm>
-      </p:grpSpPr>
-      <p:grpSp>
-        <p:nvGrpSpPr>
-          <p:cNvPr id="14" name="Group 13">
-            <a:extLst>
-              <a:ext uri="{FF2B5EF4-FFF2-40B4-BE49-F238E27FC236}">
-                <a16:creationId xmlns:a16="http://schemas.microsoft.com/office/drawing/2014/main" id="{1C78354C-C1EB-4317-9DC2-7A4AE1F13CB3}"/>
-              </a:ext>
-              <a:ext uri="{C183D7F6-B498-43B3-948B-1728B52AA6E4}">
-                <adec:decorative xmlns:adec="http://schemas.microsoft.com/office/drawing/2017/decorative" val="1"/>
-              </a:ext>
-            </a:extLst>
-          </p:cNvPr>
-          <p:cNvGrpSpPr>
-            <a:grpSpLocks noGrp="1" noUngrp="1" noRot="1" noChangeAspect="1" noMove="1" noResize="1"/>
-          </p:cNvGrpSpPr>
-          <p:nvPr>
-            <p:extLst>
-              <p:ext uri="{386F3935-93C4-4BCD-93E2-E3B085C9AB24}">
-                <p16:designElem xmlns:p16="http://schemas.microsoft.com/office/powerpoint/2015/main" val="1"/>
-              </p:ext>
-            </p:extLst>
-          </p:nvPr>
-        </p:nvGrpSpPr>
-        <p:grpSpPr>
-          <a:xfrm>
-            <a:off x="150812" y="0"/>
-            <a:ext cx="2436813" cy="6858001"/>
-            <a:chOff x="1320800" y="0"/>
-            <a:chExt cx="2436813" cy="6858001"/>
-          </a:xfrm>
-        </p:grpSpPr>
-        <p:sp>
-          <p:nvSpPr>
-            <p:cNvPr id="15" name="Freeform 6">
-              <a:extLst>
-                <a:ext uri="{FF2B5EF4-FFF2-40B4-BE49-F238E27FC236}">
-                  <a16:creationId xmlns:a16="http://schemas.microsoft.com/office/drawing/2014/main" id="{B7F3000C-E62F-41EF-B26C-43740EDE145A}"/>
-                </a:ext>
-                <a:ext uri="{C183D7F6-B498-43B3-948B-1728B52AA6E4}">
-                  <adec:decorative xmlns:adec="http://schemas.microsoft.com/office/drawing/2017/decorative" val="1"/>
-                </a:ext>
-              </a:extLst>
-            </p:cNvPr>
-            <p:cNvSpPr/>
-            <p:nvPr>
-              <p:extLst>
-                <p:ext uri="{386F3935-93C4-4BCD-93E2-E3B085C9AB24}">
-                  <p16:designElem xmlns:p16="http://schemas.microsoft.com/office/powerpoint/2015/main" val="1"/>
-                </p:ext>
-              </p:extLst>
-            </p:nvPr>
-          </p:nvSpPr>
-          <p:spPr bwMode="auto">
-            <a:xfrm>
-              <a:off x="1627188" y="0"/>
-              <a:ext cx="1122363" cy="5329238"/>
-            </a:xfrm>
-            <a:custGeom>
-              <a:avLst/>
-              <a:gdLst/>
-              <a:ahLst/>
-              <a:cxnLst/>
-              <a:rect l="0" t="0" r="r" b="b"/>
-              <a:pathLst>
-                <a:path w="707" h="3357">
-                  <a:moveTo>
-                    <a:pt x="0" y="3330"/>
-                  </a:moveTo>
-                  <a:lnTo>
-                    <a:pt x="156" y="3357"/>
-                  </a:lnTo>
-                  <a:lnTo>
-                    <a:pt x="707" y="0"/>
-                  </a:lnTo>
-                  <a:lnTo>
-                    <a:pt x="547" y="0"/>
-                  </a:lnTo>
-                  <a:lnTo>
-                    <a:pt x="0" y="3330"/>
-                  </a:lnTo>
-                  <a:close/>
-                </a:path>
-              </a:pathLst>
-            </a:custGeom>
-            <a:solidFill>
-              <a:schemeClr val="accent1"/>
-            </a:solidFill>
-            <a:ln>
-              <a:noFill/>
-            </a:ln>
-          </p:spPr>
-        </p:sp>
-        <p:sp>
-          <p:nvSpPr>
-            <p:cNvPr id="16" name="Freeform 7">
-              <a:extLst>
-                <a:ext uri="{FF2B5EF4-FFF2-40B4-BE49-F238E27FC236}">
-                  <a16:creationId xmlns:a16="http://schemas.microsoft.com/office/drawing/2014/main" id="{8B8C31FF-E28B-4902-9070-E4ED1395D92A}"/>
-                </a:ext>
-                <a:ext uri="{C183D7F6-B498-43B3-948B-1728B52AA6E4}">
-                  <adec:decorative xmlns:adec="http://schemas.microsoft.com/office/drawing/2017/decorative" val="1"/>
-                </a:ext>
-              </a:extLst>
-            </p:cNvPr>
-            <p:cNvSpPr/>
-            <p:nvPr>
-              <p:extLst>
-                <p:ext uri="{386F3935-93C4-4BCD-93E2-E3B085C9AB24}">
-                  <p16:designElem xmlns:p16="http://schemas.microsoft.com/office/powerpoint/2015/main" val="1"/>
-                </p:ext>
-              </p:extLst>
-            </p:nvPr>
-          </p:nvSpPr>
-          <p:spPr bwMode="auto">
-            <a:xfrm>
-              <a:off x="1320800" y="0"/>
-              <a:ext cx="1117600" cy="5276850"/>
-            </a:xfrm>
-            <a:custGeom>
-              <a:avLst/>
-              <a:gdLst/>
-              <a:ahLst/>
-              <a:cxnLst/>
-              <a:rect l="0" t="0" r="r" b="b"/>
-              <a:pathLst>
-                <a:path w="704" h="3324">
-                  <a:moveTo>
-                    <a:pt x="704" y="0"/>
-                  </a:moveTo>
-                  <a:lnTo>
-                    <a:pt x="545" y="0"/>
-                  </a:lnTo>
-                  <a:lnTo>
-                    <a:pt x="0" y="3300"/>
-                  </a:lnTo>
-                  <a:lnTo>
-                    <a:pt x="157" y="3324"/>
-                  </a:lnTo>
-                  <a:lnTo>
-                    <a:pt x="704" y="0"/>
-                  </a:lnTo>
-                  <a:close/>
-                </a:path>
-              </a:pathLst>
-            </a:custGeom>
-            <a:solidFill>
-              <a:schemeClr val="tx1">
-                <a:lumMod val="65000"/>
-                <a:lumOff val="35000"/>
-              </a:schemeClr>
-            </a:solidFill>
-            <a:ln>
-              <a:noFill/>
-            </a:ln>
-          </p:spPr>
-        </p:sp>
-        <p:sp>
-          <p:nvSpPr>
-            <p:cNvPr id="17" name="Freeform 8">
-              <a:extLst>
-                <a:ext uri="{FF2B5EF4-FFF2-40B4-BE49-F238E27FC236}">
-                  <a16:creationId xmlns:a16="http://schemas.microsoft.com/office/drawing/2014/main" id="{168F2688-1110-4BC0-9AAC-10D74DE369B6}"/>
-                </a:ext>
-                <a:ext uri="{C183D7F6-B498-43B3-948B-1728B52AA6E4}">
-                  <adec:decorative xmlns:adec="http://schemas.microsoft.com/office/drawing/2017/decorative" val="1"/>
-                </a:ext>
-              </a:extLst>
-            </p:cNvPr>
-            <p:cNvSpPr/>
-            <p:nvPr>
-              <p:extLst>
-                <p:ext uri="{386F3935-93C4-4BCD-93E2-E3B085C9AB24}">
-                  <p16:designElem xmlns:p16="http://schemas.microsoft.com/office/powerpoint/2015/main" val="1"/>
-                </p:ext>
-              </p:extLst>
-            </p:nvPr>
-          </p:nvSpPr>
-          <p:spPr bwMode="auto">
-            <a:xfrm>
-              <a:off x="1320800" y="5238750"/>
-              <a:ext cx="1228725" cy="1619250"/>
-            </a:xfrm>
-            <a:custGeom>
-              <a:avLst/>
-              <a:gdLst/>
-              <a:ahLst/>
-              <a:cxnLst/>
-              <a:rect l="0" t="0" r="r" b="b"/>
-              <a:pathLst>
-                <a:path w="774" h="1020">
-                  <a:moveTo>
-                    <a:pt x="0" y="0"/>
-                  </a:moveTo>
-                  <a:lnTo>
-                    <a:pt x="740" y="1020"/>
-                  </a:lnTo>
-                  <a:lnTo>
-                    <a:pt x="774" y="1020"/>
-                  </a:lnTo>
-                  <a:lnTo>
-                    <a:pt x="0" y="0"/>
-                  </a:lnTo>
-                  <a:close/>
-                </a:path>
-              </a:pathLst>
-            </a:custGeom>
-            <a:solidFill>
-              <a:schemeClr val="tx1">
-                <a:lumMod val="85000"/>
-                <a:lumOff val="15000"/>
-              </a:schemeClr>
-            </a:solidFill>
-            <a:ln>
-              <a:noFill/>
-            </a:ln>
-          </p:spPr>
-        </p:sp>
-        <p:sp>
-          <p:nvSpPr>
-            <p:cNvPr id="18" name="Freeform 9">
-              <a:extLst>
-                <a:ext uri="{FF2B5EF4-FFF2-40B4-BE49-F238E27FC236}">
-                  <a16:creationId xmlns:a16="http://schemas.microsoft.com/office/drawing/2014/main" id="{5CD49FE9-A25C-4E16-8AEA-68DD419A5F9E}"/>
-                </a:ext>
-                <a:ext uri="{C183D7F6-B498-43B3-948B-1728B52AA6E4}">
-                  <adec:decorative xmlns:adec="http://schemas.microsoft.com/office/drawing/2017/decorative" val="1"/>
-                </a:ext>
-              </a:extLst>
-            </p:cNvPr>
-            <p:cNvSpPr/>
-            <p:nvPr>
-              <p:extLst>
-                <p:ext uri="{386F3935-93C4-4BCD-93E2-E3B085C9AB24}">
-                  <p16:designElem xmlns:p16="http://schemas.microsoft.com/office/powerpoint/2015/main" val="1"/>
-                </p:ext>
-              </p:extLst>
-            </p:nvPr>
-          </p:nvSpPr>
-          <p:spPr bwMode="auto">
-            <a:xfrm>
-              <a:off x="1627188" y="5291138"/>
-              <a:ext cx="1495425" cy="1566863"/>
-            </a:xfrm>
-            <a:custGeom>
-              <a:avLst/>
-              <a:gdLst/>
-              <a:ahLst/>
-              <a:cxnLst/>
-              <a:rect l="0" t="0" r="r" b="b"/>
-              <a:pathLst>
-                <a:path w="942" h="987">
-                  <a:moveTo>
-                    <a:pt x="0" y="0"/>
-                  </a:moveTo>
-                  <a:lnTo>
-                    <a:pt x="909" y="987"/>
-                  </a:lnTo>
-                  <a:lnTo>
-                    <a:pt x="942" y="987"/>
-                  </a:lnTo>
-                  <a:lnTo>
-                    <a:pt x="0" y="0"/>
-                  </a:lnTo>
-                  <a:close/>
-                </a:path>
-              </a:pathLst>
-            </a:custGeom>
-            <a:solidFill>
-              <a:schemeClr val="accent1">
-                <a:lumMod val="50000"/>
-              </a:schemeClr>
-            </a:solidFill>
-            <a:ln>
-              <a:noFill/>
-            </a:ln>
-          </p:spPr>
-        </p:sp>
-        <p:sp>
-          <p:nvSpPr>
-            <p:cNvPr id="19" name="Freeform 10">
-              <a:extLst>
-                <a:ext uri="{FF2B5EF4-FFF2-40B4-BE49-F238E27FC236}">
-                  <a16:creationId xmlns:a16="http://schemas.microsoft.com/office/drawing/2014/main" id="{14F1D10A-5169-4727-8DC0-69AF6E62FA63}"/>
-                </a:ext>
-                <a:ext uri="{C183D7F6-B498-43B3-948B-1728B52AA6E4}">
-                  <adec:decorative xmlns:adec="http://schemas.microsoft.com/office/drawing/2017/decorative" val="1"/>
-                </a:ext>
-              </a:extLst>
-            </p:cNvPr>
-            <p:cNvSpPr/>
-            <p:nvPr>
-              <p:extLst>
-                <p:ext uri="{386F3935-93C4-4BCD-93E2-E3B085C9AB24}">
-                  <p16:designElem xmlns:p16="http://schemas.microsoft.com/office/powerpoint/2015/main" val="1"/>
-                </p:ext>
-              </p:extLst>
-            </p:nvPr>
-          </p:nvSpPr>
-          <p:spPr bwMode="auto">
-            <a:xfrm>
-              <a:off x="1627188" y="5286375"/>
-              <a:ext cx="2130425" cy="1571625"/>
-            </a:xfrm>
-            <a:custGeom>
-              <a:avLst/>
-              <a:gdLst/>
-              <a:ahLst/>
-              <a:cxnLst/>
-              <a:rect l="0" t="0" r="r" b="b"/>
-              <a:pathLst>
-                <a:path w="1342" h="990">
-                  <a:moveTo>
-                    <a:pt x="0" y="3"/>
-                  </a:moveTo>
-                  <a:lnTo>
-                    <a:pt x="942" y="990"/>
-                  </a:lnTo>
-                  <a:lnTo>
-                    <a:pt x="1342" y="990"/>
-                  </a:lnTo>
-                  <a:lnTo>
-                    <a:pt x="156" y="27"/>
-                  </a:lnTo>
-                  <a:lnTo>
-                    <a:pt x="0" y="0"/>
-                  </a:lnTo>
-                  <a:lnTo>
-                    <a:pt x="0" y="3"/>
-                  </a:lnTo>
-                  <a:close/>
-                </a:path>
-              </a:pathLst>
-            </a:custGeom>
-            <a:solidFill>
-              <a:schemeClr val="accent1">
-                <a:lumMod val="75000"/>
-              </a:schemeClr>
-            </a:solidFill>
-            <a:ln>
-              <a:noFill/>
-            </a:ln>
-          </p:spPr>
-        </p:sp>
-        <p:sp>
-          <p:nvSpPr>
-            <p:cNvPr id="20" name="Freeform 11">
-              <a:extLst>
-                <a:ext uri="{FF2B5EF4-FFF2-40B4-BE49-F238E27FC236}">
-                  <a16:creationId xmlns:a16="http://schemas.microsoft.com/office/drawing/2014/main" id="{CDEAD526-E7EB-4732-B1B5-8A4AE74FC49C}"/>
-                </a:ext>
-                <a:ext uri="{C183D7F6-B498-43B3-948B-1728B52AA6E4}">
-                  <adec:decorative xmlns:adec="http://schemas.microsoft.com/office/drawing/2017/decorative" val="1"/>
-                </a:ext>
-              </a:extLst>
-            </p:cNvPr>
-            <p:cNvSpPr/>
-            <p:nvPr>
-              <p:extLst>
-                <p:ext uri="{386F3935-93C4-4BCD-93E2-E3B085C9AB24}">
-                  <p16:designElem xmlns:p16="http://schemas.microsoft.com/office/powerpoint/2015/main" val="1"/>
-                </p:ext>
-              </p:extLst>
-            </p:nvPr>
-          </p:nvSpPr>
-          <p:spPr bwMode="auto">
-            <a:xfrm>
-              <a:off x="1320800" y="5238750"/>
-              <a:ext cx="1695450" cy="1619250"/>
-            </a:xfrm>
-            <a:custGeom>
-              <a:avLst/>
-              <a:gdLst/>
-              <a:ahLst/>
-              <a:cxnLst/>
-              <a:rect l="0" t="0" r="r" b="b"/>
-              <a:pathLst>
-                <a:path w="1068" h="1020">
-                  <a:moveTo>
-                    <a:pt x="1068" y="1020"/>
-                  </a:moveTo>
-                  <a:lnTo>
-                    <a:pt x="184" y="60"/>
-                  </a:lnTo>
-                  <a:lnTo>
-                    <a:pt x="154" y="27"/>
-                  </a:lnTo>
-                  <a:lnTo>
-                    <a:pt x="157" y="27"/>
-                  </a:lnTo>
-                  <a:lnTo>
-                    <a:pt x="157" y="24"/>
-                  </a:lnTo>
-                  <a:lnTo>
-                    <a:pt x="154" y="24"/>
-                  </a:lnTo>
-                  <a:lnTo>
-                    <a:pt x="0" y="0"/>
-                  </a:lnTo>
-                  <a:lnTo>
-                    <a:pt x="0" y="0"/>
-                  </a:lnTo>
-                  <a:lnTo>
-                    <a:pt x="774" y="1020"/>
-                  </a:lnTo>
-                  <a:lnTo>
-                    <a:pt x="1068" y="1020"/>
-                  </a:lnTo>
-                  <a:close/>
-                </a:path>
-              </a:pathLst>
-            </a:custGeom>
-            <a:solidFill>
-              <a:schemeClr val="tx1">
-                <a:lumMod val="75000"/>
-                <a:lumOff val="25000"/>
-              </a:schemeClr>
-            </a:solidFill>
-            <a:ln>
-              <a:noFill/>
-            </a:ln>
-          </p:spPr>
-        </p:sp>
-      </p:grpSp>
-      <p:sp>
-        <p:nvSpPr>
-          <p:cNvPr id="2" name="Title 1">
-            <a:extLst>
-              <a:ext uri="{FF2B5EF4-FFF2-40B4-BE49-F238E27FC236}">
-                <a16:creationId xmlns:a16="http://schemas.microsoft.com/office/drawing/2014/main" id="{845C3F93-0627-4726-B918-6291ACAAB029}"/>
-              </a:ext>
-            </a:extLst>
-          </p:cNvPr>
-          <p:cNvSpPr>
-            <a:spLocks noGrp="1"/>
-          </p:cNvSpPr>
-          <p:nvPr>
-            <p:ph type="title"/>
-          </p:nvPr>
-        </p:nvSpPr>
-        <p:spPr>
-          <a:xfrm>
-            <a:off x="1484312" y="685800"/>
-            <a:ext cx="2812386" cy="1752599"/>
-          </a:xfrm>
-        </p:spPr>
-        <p:txBody>
-          <a:bodyPr vert="horz" lIns="91440" tIns="45720" rIns="91440" bIns="45720" rtlCol="0" anchor="ctr">
-            <a:normAutofit/>
-          </a:bodyPr>
-          <a:lstStyle/>
-          <a:p>
-            <a:r>
-              <a:rPr lang="en-US" sz="3200"/>
-              <a:t>Tratamento de Exceções</a:t>
-            </a:r>
-          </a:p>
-        </p:txBody>
-      </p:sp>
-      <p:sp>
-        <p:nvSpPr>
-          <p:cNvPr id="11" name="Content Placeholder 10">
-            <a:extLst>
-              <a:ext uri="{FF2B5EF4-FFF2-40B4-BE49-F238E27FC236}">
-                <a16:creationId xmlns:a16="http://schemas.microsoft.com/office/drawing/2014/main" id="{0F242A63-3AE5-46D5-AEE7-52017FE49454}"/>
-              </a:ext>
-            </a:extLst>
-          </p:cNvPr>
-          <p:cNvSpPr>
-            <a:spLocks noGrp="1"/>
-          </p:cNvSpPr>
-          <p:nvPr>
-            <p:ph sz="half" idx="1"/>
-          </p:nvPr>
-        </p:nvSpPr>
-        <p:spPr>
-          <a:xfrm>
-            <a:off x="1227136" y="2952749"/>
-            <a:ext cx="3326736" cy="3124201"/>
-          </a:xfrm>
-        </p:spPr>
-        <p:txBody>
-          <a:bodyPr vert="horz" lIns="91440" tIns="45720" rIns="91440" bIns="45720" rtlCol="0" anchor="ctr">
-            <a:normAutofit/>
-          </a:bodyPr>
-          <a:lstStyle/>
-          <a:p>
-            <a:r>
-              <a:rPr lang="en-US"/>
-              <a:t>VehicleDoesNotExist()</a:t>
-            </a:r>
-          </a:p>
-          <a:p>
-            <a:pPr>
-              <a:buClr>
-                <a:srgbClr val="1287C3"/>
-              </a:buClr>
-            </a:pPr>
-            <a:r>
-              <a:rPr lang="en-US">
-                <a:ea typeface="+mn-lt"/>
-                <a:cs typeface="+mn-lt"/>
-              </a:rPr>
-              <a:t>EmployeeDoesNotExist()</a:t>
-            </a:r>
-          </a:p>
-          <a:p>
-            <a:pPr>
-              <a:buClr>
-                <a:srgbClr val="1287C3"/>
-              </a:buClr>
-            </a:pPr>
-            <a:r>
-              <a:rPr lang="en-US">
-                <a:ea typeface="+mn-lt"/>
-                <a:cs typeface="+mn-lt"/>
-              </a:rPr>
-              <a:t>DontExistAnyMovement()</a:t>
-            </a:r>
-          </a:p>
-          <a:p>
-            <a:pPr>
-              <a:buClr>
-                <a:srgbClr val="1287C3"/>
-              </a:buClr>
-            </a:pPr>
-            <a:r>
-              <a:rPr lang="en-US">
-                <a:ea typeface="+mn-lt"/>
-                <a:cs typeface="+mn-lt"/>
-              </a:rPr>
-              <a:t>DontExistAnyExitMovement()</a:t>
-            </a:r>
-          </a:p>
-        </p:txBody>
-      </p:sp>
-      <p:pic>
-        <p:nvPicPr>
-          <p:cNvPr id="8" name="Picture 8" descr="A screen shot of a computer&#10;&#10;Description automatically generated">
-            <a:extLst>
-              <a:ext uri="{FF2B5EF4-FFF2-40B4-BE49-F238E27FC236}">
-                <a16:creationId xmlns:a16="http://schemas.microsoft.com/office/drawing/2014/main" id="{5E6A1B8C-6637-4E05-BB42-A24D1E46225C}"/>
-              </a:ext>
-            </a:extLst>
-          </p:cNvPr>
-          <p:cNvPicPr>
-            <a:picLocks noChangeAspect="1"/>
-          </p:cNvPicPr>
-          <p:nvPr/>
-        </p:nvPicPr>
-        <p:blipFill>
-          <a:blip r:embed="rId3"/>
-          <a:stretch>
-            <a:fillRect/>
-          </a:stretch>
-        </p:blipFill>
-        <p:spPr>
-          <a:xfrm>
-            <a:off x="8096250" y="2669018"/>
-            <a:ext cx="3705225" cy="1729513"/>
-          </a:xfrm>
-          <a:prstGeom prst="rect">
-            <a:avLst/>
-          </a:prstGeom>
-          <a:ln>
-            <a:noFill/>
-          </a:ln>
-          <a:effectLst>
-            <a:outerShdw blurRad="292100" dist="139700" dir="2700000" algn="tl" rotWithShape="0">
-              <a:srgbClr val="333333">
-                <a:alpha val="65000"/>
-              </a:srgbClr>
-            </a:outerShdw>
-          </a:effectLst>
-        </p:spPr>
-      </p:pic>
-      <p:pic>
-        <p:nvPicPr>
-          <p:cNvPr id="10" name="Picture 11" descr="Graphical user interface, text&#10;&#10;Description automatically generated">
-            <a:extLst>
-              <a:ext uri="{FF2B5EF4-FFF2-40B4-BE49-F238E27FC236}">
-                <a16:creationId xmlns:a16="http://schemas.microsoft.com/office/drawing/2014/main" id="{99A2BA6C-719C-47D2-8706-149FA1A15325}"/>
-              </a:ext>
-            </a:extLst>
-          </p:cNvPr>
-          <p:cNvPicPr>
-            <a:picLocks noChangeAspect="1"/>
-          </p:cNvPicPr>
-          <p:nvPr/>
-        </p:nvPicPr>
-        <p:blipFill>
-          <a:blip r:embed="rId4"/>
-          <a:stretch>
-            <a:fillRect/>
-          </a:stretch>
-        </p:blipFill>
-        <p:spPr>
-          <a:xfrm>
-            <a:off x="5276850" y="4885997"/>
-            <a:ext cx="3324225" cy="991257"/>
-          </a:xfrm>
-          <a:prstGeom prst="rect">
-            <a:avLst/>
-          </a:prstGeom>
-          <a:ln>
-            <a:noFill/>
-          </a:ln>
-          <a:effectLst>
-            <a:outerShdw blurRad="292100" dist="139700" dir="2700000" algn="tl" rotWithShape="0">
-              <a:srgbClr val="333333">
-                <a:alpha val="65000"/>
-              </a:srgbClr>
-            </a:outerShdw>
-          </a:effectLst>
-        </p:spPr>
-      </p:pic>
-      <p:pic>
-        <p:nvPicPr>
-          <p:cNvPr id="12" name="Picture 12" descr="Text&#10;&#10;Description automatically generated">
-            <a:extLst>
-              <a:ext uri="{FF2B5EF4-FFF2-40B4-BE49-F238E27FC236}">
-                <a16:creationId xmlns:a16="http://schemas.microsoft.com/office/drawing/2014/main" id="{F5582ABA-7A99-497B-AE4E-04BAF691D1F9}"/>
-              </a:ext>
-            </a:extLst>
-          </p:cNvPr>
-          <p:cNvPicPr>
-            <a:picLocks noChangeAspect="1"/>
-          </p:cNvPicPr>
-          <p:nvPr/>
-        </p:nvPicPr>
-        <p:blipFill>
-          <a:blip r:embed="rId5"/>
-          <a:stretch>
-            <a:fillRect/>
-          </a:stretch>
-        </p:blipFill>
-        <p:spPr>
-          <a:xfrm>
-            <a:off x="4057650" y="2230531"/>
-            <a:ext cx="3667125" cy="1272988"/>
-          </a:xfrm>
-          <a:prstGeom prst="rect">
-            <a:avLst/>
-          </a:prstGeom>
-          <a:ln>
-            <a:noFill/>
-          </a:ln>
-          <a:effectLst>
-            <a:outerShdw blurRad="292100" dist="139700" dir="2700000" algn="tl" rotWithShape="0">
-              <a:srgbClr val="333333">
-                <a:alpha val="65000"/>
-              </a:srgbClr>
-            </a:outerShdw>
-          </a:effectLst>
-        </p:spPr>
-      </p:pic>
-    </p:spTree>
-    <p:extLst>
-      <p:ext uri="{BB962C8B-B14F-4D97-AF65-F5344CB8AC3E}">
-        <p14:creationId xmlns:p14="http://schemas.microsoft.com/office/powerpoint/2010/main" val="3704137437"/>
-      </p:ext>
-    </p:extLst>
-  </p:cSld>
-  <p:clrMapOvr>
-    <a:masterClrMapping/>
-  </p:clrMapOvr>
-</p:sld>
-</file>
-
-<file path=ppt/slides/slide8.xml><?xml version="1.0" encoding="utf-8"?>
-<p:sld xmlns:a="http://schemas.openxmlformats.org/drawingml/2006/main" xmlns:r="http://schemas.openxmlformats.org/officeDocument/2006/relationships" xmlns:p="http://schemas.openxmlformats.org/presentationml/2006/main">
-  <p:cSld>
-    <p:spTree>
-      <p:nvGrpSpPr>
-        <p:cNvPr id="1" name=""/>
-        <p:cNvGrpSpPr/>
-        <p:nvPr/>
-      </p:nvGrpSpPr>
-      <p:grpSpPr>
-        <a:xfrm>
-          <a:off x="0" y="0"/>
-          <a:ext cx="0" cy="0"/>
-          <a:chOff x="0" y="0"/>
-          <a:chExt cx="0" cy="0"/>
-        </a:xfrm>
-      </p:grpSpPr>
-      <p:sp>
-        <p:nvSpPr>
-          <p:cNvPr id="2" name="Título 1">
-            <a:extLst>
-              <a:ext uri="{FF2B5EF4-FFF2-40B4-BE49-F238E27FC236}">
-                <a16:creationId xmlns:a16="http://schemas.microsoft.com/office/drawing/2014/main" id="{3CEF04AC-5109-48DD-8ADF-FE0B2B837D8F}"/>
-              </a:ext>
-            </a:extLst>
-          </p:cNvPr>
-          <p:cNvSpPr>
-            <a:spLocks noGrp="1"/>
-          </p:cNvSpPr>
-          <p:nvPr>
-            <p:ph type="title"/>
-          </p:nvPr>
-        </p:nvSpPr>
-        <p:spPr/>
-        <p:txBody>
-          <a:bodyPr/>
-          <a:lstStyle/>
-          <a:p>
-            <a:r>
-              <a:rPr lang="pt-PT"/>
-              <a:t>Funcionalidades Implementadas - CRUD</a:t>
-            </a:r>
-          </a:p>
-        </p:txBody>
-      </p:sp>
-      <p:sp>
-        <p:nvSpPr>
-          <p:cNvPr id="3" name="Marcador de Posição de Conteúdo 2">
-            <a:extLst>
-              <a:ext uri="{FF2B5EF4-FFF2-40B4-BE49-F238E27FC236}">
-                <a16:creationId xmlns:a16="http://schemas.microsoft.com/office/drawing/2014/main" id="{2A2EEC1F-BA37-4AA9-A682-D1917265F675}"/>
-              </a:ext>
-            </a:extLst>
-          </p:cNvPr>
-          <p:cNvSpPr>
-            <a:spLocks noGrp="1"/>
-          </p:cNvSpPr>
-          <p:nvPr>
-            <p:ph idx="1"/>
-          </p:nvPr>
-        </p:nvSpPr>
-        <p:spPr/>
-        <p:txBody>
-          <a:bodyPr/>
-          <a:lstStyle/>
-          <a:p>
-            <a:r>
-              <a:rPr lang="pt-PT"/>
-              <a:t>CRUD – Highways (completa)</a:t>
-            </a:r>
-          </a:p>
-          <a:p>
-            <a:pPr>
-              <a:buClr>
-                <a:srgbClr val="1287C3"/>
-              </a:buClr>
-            </a:pPr>
-            <a:r>
-              <a:rPr lang="pt-PT">
-                <a:ea typeface="+mn-lt"/>
-                <a:cs typeface="+mn-lt"/>
-              </a:rPr>
-              <a:t>CRUD – Tolls (completa)</a:t>
-            </a:r>
-          </a:p>
-          <a:p>
-            <a:pPr>
-              <a:buClr>
-                <a:srgbClr val="1287C3"/>
-              </a:buClr>
-            </a:pPr>
-            <a:r>
-              <a:rPr lang="pt-PT">
-                <a:ea typeface="+mn-lt"/>
-                <a:cs typeface="+mn-lt"/>
-              </a:rPr>
-              <a:t>CRUD – Lanes (completa)</a:t>
-            </a:r>
-          </a:p>
-          <a:p>
-            <a:pPr>
-              <a:buClr>
-                <a:srgbClr val="1287C3"/>
-              </a:buClr>
-            </a:pPr>
-            <a:r>
-              <a:rPr lang="pt-PT">
-                <a:ea typeface="+mn-lt"/>
-                <a:cs typeface="+mn-lt"/>
-              </a:rPr>
-              <a:t>CRUD – Vehicles (completa)</a:t>
-            </a:r>
-          </a:p>
-          <a:p>
-            <a:pPr>
-              <a:buClr>
-                <a:srgbClr val="1287C3"/>
-              </a:buClr>
-            </a:pPr>
-            <a:r>
-              <a:rPr lang="pt-PT">
-                <a:ea typeface="+mn-lt"/>
-                <a:cs typeface="+mn-lt"/>
-              </a:rPr>
-              <a:t>CRUD – Employees (completa)</a:t>
-            </a:r>
-          </a:p>
-        </p:txBody>
-      </p:sp>
-      <p:pic>
-        <p:nvPicPr>
-          <p:cNvPr id="6" name="Picture 6" descr="Text&#10;&#10;Description automatically generated">
-            <a:extLst>
-              <a:ext uri="{FF2B5EF4-FFF2-40B4-BE49-F238E27FC236}">
-                <a16:creationId xmlns:a16="http://schemas.microsoft.com/office/drawing/2014/main" id="{9776E958-8330-496C-8911-22A930A9A756}"/>
-              </a:ext>
-            </a:extLst>
-          </p:cNvPr>
-          <p:cNvPicPr>
-            <a:picLocks noChangeAspect="1"/>
-          </p:cNvPicPr>
-          <p:nvPr/>
-        </p:nvPicPr>
-        <p:blipFill>
-          <a:blip r:embed="rId2"/>
-          <a:stretch>
-            <a:fillRect/>
-          </a:stretch>
-        </p:blipFill>
-        <p:spPr>
-          <a:xfrm>
-            <a:off x="8162925" y="4610100"/>
-            <a:ext cx="2743200" cy="914400"/>
-          </a:xfrm>
-          <a:prstGeom prst="rect">
-            <a:avLst/>
-          </a:prstGeom>
-          <a:ln>
-            <a:noFill/>
-          </a:ln>
-          <a:effectLst>
-            <a:outerShdw blurRad="292100" dist="139700" dir="2700000" algn="tl" rotWithShape="0">
-              <a:srgbClr val="333333">
-                <a:alpha val="65000"/>
-              </a:srgbClr>
-            </a:outerShdw>
-          </a:effectLst>
-        </p:spPr>
-      </p:pic>
-      <p:pic>
-        <p:nvPicPr>
-          <p:cNvPr id="7" name="Picture 7" descr="Text&#10;&#10;Description automatically generated">
-            <a:extLst>
-              <a:ext uri="{FF2B5EF4-FFF2-40B4-BE49-F238E27FC236}">
-                <a16:creationId xmlns:a16="http://schemas.microsoft.com/office/drawing/2014/main" id="{6A8C698B-13FE-40E6-87CE-822400439C86}"/>
-              </a:ext>
-            </a:extLst>
-          </p:cNvPr>
-          <p:cNvPicPr>
-            <a:picLocks noChangeAspect="1"/>
-          </p:cNvPicPr>
-          <p:nvPr/>
-        </p:nvPicPr>
-        <p:blipFill>
-          <a:blip r:embed="rId3"/>
-          <a:stretch>
-            <a:fillRect/>
-          </a:stretch>
-        </p:blipFill>
-        <p:spPr>
-          <a:xfrm>
-            <a:off x="7077075" y="3067050"/>
-            <a:ext cx="1866900" cy="990600"/>
-          </a:xfrm>
-          <a:prstGeom prst="rect">
-            <a:avLst/>
-          </a:prstGeom>
-          <a:ln>
-            <a:noFill/>
-          </a:ln>
-          <a:effectLst>
-            <a:outerShdw blurRad="292100" dist="139700" dir="2700000" algn="tl" rotWithShape="0">
-              <a:srgbClr val="333333">
-                <a:alpha val="65000"/>
-              </a:srgbClr>
-            </a:outerShdw>
-          </a:effectLst>
-        </p:spPr>
-      </p:pic>
-    </p:spTree>
-    <p:extLst>
-      <p:ext uri="{BB962C8B-B14F-4D97-AF65-F5344CB8AC3E}">
-        <p14:creationId xmlns:p14="http://schemas.microsoft.com/office/powerpoint/2010/main" val="1123528265"/>
-      </p:ext>
-    </p:extLst>
-  </p:cSld>
-  <p:clrMapOvr>
-    <a:masterClrMapping/>
-  </p:clrMapOvr>
-</p:sld>
-</file>
-
-<file path=ppt/slides/slide9.xml><?xml version="1.0" encoding="utf-8"?>
-<p:sld xmlns:a="http://schemas.openxmlformats.org/drawingml/2006/main" xmlns:r="http://schemas.openxmlformats.org/officeDocument/2006/relationships" xmlns:p="http://schemas.openxmlformats.org/presentationml/2006/main">
-  <p:cSld>
-    <p:spTree>
-      <p:nvGrpSpPr>
-        <p:cNvPr id="1" name=""/>
-        <p:cNvGrpSpPr/>
-        <p:nvPr/>
-      </p:nvGrpSpPr>
-      <p:grpSpPr>
-        <a:xfrm>
-          <a:off x="0" y="0"/>
-          <a:ext cx="0" cy="0"/>
-          <a:chOff x="0" y="0"/>
-          <a:chExt cx="0" cy="0"/>
-        </a:xfrm>
-      </p:grpSpPr>
-      <p:sp>
-        <p:nvSpPr>
-          <p:cNvPr id="2" name="Title 1">
-            <a:extLst>
-              <a:ext uri="{FF2B5EF4-FFF2-40B4-BE49-F238E27FC236}">
-                <a16:creationId xmlns:a16="http://schemas.microsoft.com/office/drawing/2014/main" id="{16AEB44B-E7CC-456A-B0AA-05D741AFAE6E}"/>
-              </a:ext>
-            </a:extLst>
-          </p:cNvPr>
-          <p:cNvSpPr>
-            <a:spLocks noGrp="1"/>
-          </p:cNvSpPr>
-          <p:nvPr>
-            <p:ph type="title"/>
-          </p:nvPr>
-        </p:nvSpPr>
-        <p:spPr/>
-        <p:txBody>
-          <a:bodyPr/>
-          <a:lstStyle/>
-          <a:p>
-            <a:r>
-              <a:rPr lang="pt-PT">
-                <a:ea typeface="+mj-lt"/>
-                <a:cs typeface="+mj-lt"/>
-              </a:rPr>
-              <a:t>Funcionalidades Implementadas – Listagem e Pesquisa</a:t>
-            </a:r>
-            <a:endParaRPr lang="en-US"/>
-          </a:p>
-        </p:txBody>
-      </p:sp>
-      <p:pic>
-        <p:nvPicPr>
-          <p:cNvPr id="4" name="Picture 4" descr="Text&#10;&#10;Description automatically generated">
-            <a:extLst>
-              <a:ext uri="{FF2B5EF4-FFF2-40B4-BE49-F238E27FC236}">
-                <a16:creationId xmlns:a16="http://schemas.microsoft.com/office/drawing/2014/main" id="{687947A3-0539-4E7E-AA3D-B2DE0604AEEE}"/>
-              </a:ext>
-            </a:extLst>
-          </p:cNvPr>
-          <p:cNvPicPr>
-            <a:picLocks noGrp="1" noChangeAspect="1"/>
-          </p:cNvPicPr>
-          <p:nvPr>
-            <p:ph sz="half" idx="1"/>
-          </p:nvPr>
-        </p:nvPicPr>
-        <p:blipFill>
-          <a:blip r:embed="rId2"/>
-          <a:stretch>
-            <a:fillRect/>
-          </a:stretch>
-        </p:blipFill>
-        <p:spPr>
-          <a:xfrm>
-            <a:off x="7389742" y="2805956"/>
-            <a:ext cx="3867150" cy="2981325"/>
-          </a:xfrm>
-          <a:prstGeom prst="rect">
-            <a:avLst/>
-          </a:prstGeom>
-          <a:ln>
-            <a:noFill/>
-          </a:ln>
-          <a:effectLst>
-            <a:outerShdw blurRad="292100" dist="139700" dir="2700000" algn="tl" rotWithShape="0">
-              <a:srgbClr val="333333">
-                <a:alpha val="65000"/>
-              </a:srgbClr>
-            </a:outerShdw>
-          </a:effectLst>
-        </p:spPr>
-      </p:pic>
-      <p:sp>
-        <p:nvSpPr>
-          <p:cNvPr id="5" name="Content Placeholder 4">
-            <a:extLst>
-              <a:ext uri="{FF2B5EF4-FFF2-40B4-BE49-F238E27FC236}">
-                <a16:creationId xmlns:a16="http://schemas.microsoft.com/office/drawing/2014/main" id="{84F62BE4-5D5E-4464-AF14-BA8140DB9AD4}"/>
-              </a:ext>
-            </a:extLst>
-          </p:cNvPr>
-          <p:cNvSpPr>
-            <a:spLocks noGrp="1"/>
-          </p:cNvSpPr>
-          <p:nvPr>
-            <p:ph sz="half" idx="2"/>
-          </p:nvPr>
-        </p:nvSpPr>
-        <p:spPr>
-          <a:xfrm>
-            <a:off x="1418651" y="2734520"/>
-            <a:ext cx="4895056" cy="3124200"/>
-          </a:xfrm>
-        </p:spPr>
-        <p:txBody>
-          <a:bodyPr/>
-          <a:lstStyle/>
-          <a:p>
-            <a:r>
-              <a:rPr lang="en-GB" err="1"/>
-              <a:t>Listas</a:t>
-            </a:r>
-            <a:r>
-              <a:rPr lang="en-GB"/>
-              <a:t> dos </a:t>
-            </a:r>
-            <a:r>
-              <a:rPr lang="en-GB" err="1"/>
-              <a:t>movimentos</a:t>
-            </a:r>
-            <a:r>
-              <a:rPr lang="en-GB"/>
-              <a:t> de </a:t>
-            </a:r>
-            <a:r>
-              <a:rPr lang="en-GB" err="1"/>
-              <a:t>objetos</a:t>
-            </a:r>
-            <a:r>
-              <a:rPr lang="en-GB"/>
-              <a:t> que </a:t>
-            </a:r>
-            <a:r>
-              <a:rPr lang="en-GB" err="1"/>
-              <a:t>podem</a:t>
-            </a:r>
-            <a:r>
-              <a:rPr lang="en-GB"/>
-              <a:t> ser </a:t>
-            </a:r>
-            <a:r>
-              <a:rPr lang="en-GB" err="1"/>
-              <a:t>pesquisados</a:t>
-            </a:r>
-            <a:r>
-              <a:rPr lang="en-GB"/>
-              <a:t> por </a:t>
-            </a:r>
-            <a:r>
-              <a:rPr lang="en-GB" err="1"/>
-              <a:t>uma</a:t>
-            </a:r>
-            <a:r>
-              <a:rPr lang="en-GB"/>
-              <a:t> </a:t>
-            </a:r>
-            <a:r>
-              <a:rPr lang="en-GB" err="1"/>
-              <a:t>caracteristica</a:t>
-            </a:r>
-            <a:r>
-              <a:rPr lang="en-GB"/>
-              <a:t> </a:t>
-            </a:r>
-            <a:r>
-              <a:rPr lang="en-GB" err="1"/>
-              <a:t>própria</a:t>
-            </a:r>
-            <a:r>
-              <a:rPr lang="en-GB"/>
-              <a:t> </a:t>
-            </a:r>
-            <a:r>
-              <a:rPr lang="en-GB" err="1"/>
-              <a:t>escolhida</a:t>
-            </a:r>
-            <a:r>
-              <a:rPr lang="en-GB"/>
-              <a:t> </a:t>
-            </a:r>
-            <a:r>
-              <a:rPr lang="en-GB" err="1"/>
-              <a:t>pelo</a:t>
-            </a:r>
-            <a:r>
-              <a:rPr lang="en-GB"/>
-              <a:t> </a:t>
-            </a:r>
-            <a:r>
-              <a:rPr lang="en-GB" err="1"/>
-              <a:t>utilizador</a:t>
-            </a:r>
-            <a:endParaRPr lang="en-GB"/>
-          </a:p>
-          <a:p>
-            <a:pPr>
-              <a:buClr>
-                <a:srgbClr val="1287C3"/>
-              </a:buClr>
-            </a:pPr>
-            <a:r>
-              <a:rPr lang="en-GB" err="1"/>
-              <a:t>Pesquisa</a:t>
-            </a:r>
-            <a:r>
-              <a:rPr lang="en-GB"/>
-              <a:t> de </a:t>
-            </a:r>
-            <a:r>
-              <a:rPr lang="en-GB" err="1"/>
-              <a:t>movimentos</a:t>
-            </a:r>
-            <a:r>
-              <a:rPr lang="en-GB"/>
-              <a:t> de um </a:t>
-            </a:r>
-            <a:r>
-              <a:rPr lang="en-GB" err="1"/>
-              <a:t>veiculo</a:t>
-            </a:r>
-            <a:r>
-              <a:rPr lang="en-GB"/>
-              <a:t> </a:t>
-            </a:r>
-            <a:r>
-              <a:rPr lang="en-GB" err="1"/>
-              <a:t>ou</a:t>
-            </a:r>
-            <a:r>
-              <a:rPr lang="en-GB"/>
-              <a:t> </a:t>
-            </a:r>
-            <a:r>
-              <a:rPr lang="en-GB" err="1"/>
-              <a:t>funcionário</a:t>
-            </a:r>
-            <a:r>
-              <a:rPr lang="en-GB"/>
-              <a:t> </a:t>
-            </a:r>
-            <a:r>
-              <a:rPr lang="en-GB" err="1"/>
-              <a:t>escolhido</a:t>
-            </a:r>
-            <a:r>
-              <a:rPr lang="en-GB"/>
-              <a:t> </a:t>
-            </a:r>
-            <a:r>
-              <a:rPr lang="en-GB" err="1"/>
-              <a:t>pelo</a:t>
-            </a:r>
-            <a:r>
-              <a:rPr lang="en-GB"/>
-              <a:t> </a:t>
-            </a:r>
-            <a:r>
-              <a:rPr lang="en-GB" err="1"/>
-              <a:t>utilizador</a:t>
-            </a:r>
-            <a:endParaRPr lang="en-GB"/>
-          </a:p>
-        </p:txBody>
-      </p:sp>
-    </p:spTree>
-    <p:extLst>
-      <p:ext uri="{BB962C8B-B14F-4D97-AF65-F5344CB8AC3E}">
-        <p14:creationId xmlns:p14="http://schemas.microsoft.com/office/powerpoint/2010/main" val="1104985739"/>
       </p:ext>
     </p:extLst>
   </p:cSld>
